--- a/PlayList musicale - presentation.pptx
+++ b/PlayList musicale - presentation.pptx
@@ -8,20 +8,24 @@
     <p:sldId id="256" r:id="rId2"/>
     <p:sldId id="257" r:id="rId3"/>
     <p:sldId id="261" r:id="rId4"/>
-    <p:sldId id="260" r:id="rId5"/>
-    <p:sldId id="258" r:id="rId6"/>
-    <p:sldId id="259" r:id="rId7"/>
-    <p:sldId id="262" r:id="rId8"/>
-    <p:sldId id="263" r:id="rId9"/>
-    <p:sldId id="264" r:id="rId10"/>
-    <p:sldId id="265" r:id="rId11"/>
-    <p:sldId id="266" r:id="rId12"/>
-    <p:sldId id="267" r:id="rId13"/>
-    <p:sldId id="268" r:id="rId14"/>
-    <p:sldId id="269" r:id="rId15"/>
-    <p:sldId id="270" r:id="rId16"/>
-    <p:sldId id="271" r:id="rId17"/>
-    <p:sldId id="272" r:id="rId18"/>
+    <p:sldId id="275" r:id="rId5"/>
+    <p:sldId id="276" r:id="rId6"/>
+    <p:sldId id="277" r:id="rId7"/>
+    <p:sldId id="260" r:id="rId8"/>
+    <p:sldId id="258" r:id="rId9"/>
+    <p:sldId id="273" r:id="rId10"/>
+    <p:sldId id="259" r:id="rId11"/>
+    <p:sldId id="262" r:id="rId12"/>
+    <p:sldId id="263" r:id="rId13"/>
+    <p:sldId id="264" r:id="rId14"/>
+    <p:sldId id="265" r:id="rId15"/>
+    <p:sldId id="266" r:id="rId16"/>
+    <p:sldId id="267" r:id="rId17"/>
+    <p:sldId id="278" r:id="rId18"/>
+    <p:sldId id="268" r:id="rId19"/>
+    <p:sldId id="279" r:id="rId20"/>
+    <p:sldId id="270" r:id="rId21"/>
+    <p:sldId id="272" r:id="rId22"/>
   </p:sldIdLst>
   <p:sldSz cx="12192000" cy="6858000"/>
   <p:notesSz cx="6858000" cy="9144000"/>
@@ -131,7 +135,7 @@
 <file path=ppt/revisionInfo.xml><?xml version="1.0" encoding="utf-8"?>
 <p1510:revInfo xmlns:a="http://schemas.openxmlformats.org/drawingml/2006/main" xmlns:r="http://schemas.openxmlformats.org/officeDocument/2006/relationships" xmlns:p1510="http://schemas.microsoft.com/office/powerpoint/2015/10/main">
   <p1510:revLst>
-    <p1510:client id="{F15716D0-BAC1-4FB6-BF05-176D3BAA63A1}" v="21" dt="2021-06-08T09:59:30.138"/>
+    <p1510:client id="{469FCFFF-E12D-4E02-96F7-F8ABF11198E0}" v="65" dt="2021-06-24T22:04:54.949"/>
   </p1510:revLst>
 </p1510:revInfo>
 </file>
@@ -185,6 +189,679 @@
       </pc:sldChg>
     </pc:docChg>
   </pc:docChgLst>
+  <pc:docChgLst>
+    <pc:chgData name="matteo nunziante" userId="7f0da054e76bb5fa" providerId="LiveId" clId="{469FCFFF-E12D-4E02-96F7-F8ABF11198E0}"/>
+    <pc:docChg chg="undo custSel addSld delSld modSld">
+      <pc:chgData name="matteo nunziante" userId="7f0da054e76bb5fa" providerId="LiveId" clId="{469FCFFF-E12D-4E02-96F7-F8ABF11198E0}" dt="2021-06-24T22:04:09.730" v="1938" actId="20577"/>
+      <pc:docMkLst>
+        <pc:docMk/>
+      </pc:docMkLst>
+      <pc:sldChg chg="modSp mod">
+        <pc:chgData name="matteo nunziante" userId="7f0da054e76bb5fa" providerId="LiveId" clId="{469FCFFF-E12D-4E02-96F7-F8ABF11198E0}" dt="2021-06-23T20:34:48.374" v="36" actId="20577"/>
+        <pc:sldMkLst>
+          <pc:docMk/>
+          <pc:sldMk cId="3377429259" sldId="256"/>
+        </pc:sldMkLst>
+        <pc:spChg chg="mod">
+          <ac:chgData name="matteo nunziante" userId="7f0da054e76bb5fa" providerId="LiveId" clId="{469FCFFF-E12D-4E02-96F7-F8ABF11198E0}" dt="2021-06-23T20:34:48.374" v="36" actId="20577"/>
+          <ac:spMkLst>
+            <pc:docMk/>
+            <pc:sldMk cId="3377429259" sldId="256"/>
+            <ac:spMk id="2" creationId="{3B2F17D1-BEFF-4876-9C4C-DED318FA7B57}"/>
+          </ac:spMkLst>
+        </pc:spChg>
+      </pc:sldChg>
+      <pc:sldChg chg="addSp delSp modSp mod">
+        <pc:chgData name="matteo nunziante" userId="7f0da054e76bb5fa" providerId="LiveId" clId="{469FCFFF-E12D-4E02-96F7-F8ABF11198E0}" dt="2021-06-23T20:32:34.953" v="3" actId="1076"/>
+        <pc:sldMkLst>
+          <pc:docMk/>
+          <pc:sldMk cId="268391195" sldId="257"/>
+        </pc:sldMkLst>
+        <pc:spChg chg="add del mod">
+          <ac:chgData name="matteo nunziante" userId="7f0da054e76bb5fa" providerId="LiveId" clId="{469FCFFF-E12D-4E02-96F7-F8ABF11198E0}" dt="2021-06-23T20:32:23.350" v="1" actId="931"/>
+          <ac:spMkLst>
+            <pc:docMk/>
+            <pc:sldMk cId="268391195" sldId="257"/>
+            <ac:spMk id="4" creationId="{E9742AE2-1D04-429E-9829-24CBC712ED54}"/>
+          </ac:spMkLst>
+        </pc:spChg>
+        <pc:picChg chg="del">
+          <ac:chgData name="matteo nunziante" userId="7f0da054e76bb5fa" providerId="LiveId" clId="{469FCFFF-E12D-4E02-96F7-F8ABF11198E0}" dt="2021-06-23T20:32:03.466" v="0" actId="478"/>
+          <ac:picMkLst>
+            <pc:docMk/>
+            <pc:sldMk cId="268391195" sldId="257"/>
+            <ac:picMk id="5" creationId="{775D1AE5-8C1E-4C60-B36B-AD2D47BAF69F}"/>
+          </ac:picMkLst>
+        </pc:picChg>
+        <pc:picChg chg="add mod">
+          <ac:chgData name="matteo nunziante" userId="7f0da054e76bb5fa" providerId="LiveId" clId="{469FCFFF-E12D-4E02-96F7-F8ABF11198E0}" dt="2021-06-23T20:32:34.953" v="3" actId="1076"/>
+          <ac:picMkLst>
+            <pc:docMk/>
+            <pc:sldMk cId="268391195" sldId="257"/>
+            <ac:picMk id="7" creationId="{CD2E658B-671C-41F3-8D83-34D61B965F70}"/>
+          </ac:picMkLst>
+        </pc:picChg>
+      </pc:sldChg>
+      <pc:sldChg chg="modSp mod">
+        <pc:chgData name="matteo nunziante" userId="7f0da054e76bb5fa" providerId="LiveId" clId="{469FCFFF-E12D-4E02-96F7-F8ABF11198E0}" dt="2021-06-24T13:40:08.969" v="357" actId="20577"/>
+        <pc:sldMkLst>
+          <pc:docMk/>
+          <pc:sldMk cId="1119765260" sldId="258"/>
+        </pc:sldMkLst>
+        <pc:spChg chg="mod">
+          <ac:chgData name="matteo nunziante" userId="7f0da054e76bb5fa" providerId="LiveId" clId="{469FCFFF-E12D-4E02-96F7-F8ABF11198E0}" dt="2021-06-24T13:39:57.374" v="355" actId="27636"/>
+          <ac:spMkLst>
+            <pc:docMk/>
+            <pc:sldMk cId="1119765260" sldId="258"/>
+            <ac:spMk id="3" creationId="{1EF1ADE0-3806-4186-A7B5-9895B21CCABC}"/>
+          </ac:spMkLst>
+        </pc:spChg>
+        <pc:spChg chg="mod">
+          <ac:chgData name="matteo nunziante" userId="7f0da054e76bb5fa" providerId="LiveId" clId="{469FCFFF-E12D-4E02-96F7-F8ABF11198E0}" dt="2021-06-24T13:40:08.969" v="357" actId="20577"/>
+          <ac:spMkLst>
+            <pc:docMk/>
+            <pc:sldMk cId="1119765260" sldId="258"/>
+            <ac:spMk id="4" creationId="{83201C16-28B8-4889-A469-C9F1F9835A9A}"/>
+          </ac:spMkLst>
+        </pc:spChg>
+      </pc:sldChg>
+      <pc:sldChg chg="modSp mod">
+        <pc:chgData name="matteo nunziante" userId="7f0da054e76bb5fa" providerId="LiveId" clId="{469FCFFF-E12D-4E02-96F7-F8ABF11198E0}" dt="2021-06-24T22:04:09.730" v="1938" actId="20577"/>
+        <pc:sldMkLst>
+          <pc:docMk/>
+          <pc:sldMk cId="4293414970" sldId="259"/>
+        </pc:sldMkLst>
+        <pc:spChg chg="mod">
+          <ac:chgData name="matteo nunziante" userId="7f0da054e76bb5fa" providerId="LiveId" clId="{469FCFFF-E12D-4E02-96F7-F8ABF11198E0}" dt="2021-06-24T22:04:09.730" v="1938" actId="20577"/>
+          <ac:spMkLst>
+            <pc:docMk/>
+            <pc:sldMk cId="4293414970" sldId="259"/>
+            <ac:spMk id="3" creationId="{D4F9415C-9E9C-48B4-A8B4-DECB55769D79}"/>
+          </ac:spMkLst>
+        </pc:spChg>
+      </pc:sldChg>
+      <pc:sldChg chg="addSp delSp modSp mod">
+        <pc:chgData name="matteo nunziante" userId="7f0da054e76bb5fa" providerId="LiveId" clId="{469FCFFF-E12D-4E02-96F7-F8ABF11198E0}" dt="2021-06-24T13:27:22.541" v="74" actId="1036"/>
+        <pc:sldMkLst>
+          <pc:docMk/>
+          <pc:sldMk cId="533879949" sldId="260"/>
+        </pc:sldMkLst>
+        <pc:spChg chg="add del mod">
+          <ac:chgData name="matteo nunziante" userId="7f0da054e76bb5fa" providerId="LiveId" clId="{469FCFFF-E12D-4E02-96F7-F8ABF11198E0}" dt="2021-06-24T13:26:34.468" v="39" actId="931"/>
+          <ac:spMkLst>
+            <pc:docMk/>
+            <pc:sldMk cId="533879949" sldId="260"/>
+            <ac:spMk id="4" creationId="{25A099EF-EE79-46F3-B755-9655F5CDFE7B}"/>
+          </ac:spMkLst>
+        </pc:spChg>
+        <pc:picChg chg="del mod">
+          <ac:chgData name="matteo nunziante" userId="7f0da054e76bb5fa" providerId="LiveId" clId="{469FCFFF-E12D-4E02-96F7-F8ABF11198E0}" dt="2021-06-24T13:26:21.446" v="38" actId="478"/>
+          <ac:picMkLst>
+            <pc:docMk/>
+            <pc:sldMk cId="533879949" sldId="260"/>
+            <ac:picMk id="5" creationId="{3AFD1FA0-A5C1-4DAF-8809-DCF549BD802F}"/>
+          </ac:picMkLst>
+        </pc:picChg>
+        <pc:picChg chg="add mod">
+          <ac:chgData name="matteo nunziante" userId="7f0da054e76bb5fa" providerId="LiveId" clId="{469FCFFF-E12D-4E02-96F7-F8ABF11198E0}" dt="2021-06-24T13:27:22.541" v="74" actId="1036"/>
+          <ac:picMkLst>
+            <pc:docMk/>
+            <pc:sldMk cId="533879949" sldId="260"/>
+            <ac:picMk id="7" creationId="{AE2079F0-6F84-4650-9C2A-9F42E36DFFB6}"/>
+          </ac:picMkLst>
+        </pc:picChg>
+      </pc:sldChg>
+      <pc:sldChg chg="modSp mod">
+        <pc:chgData name="matteo nunziante" userId="7f0da054e76bb5fa" providerId="LiveId" clId="{469FCFFF-E12D-4E02-96F7-F8ABF11198E0}" dt="2021-06-23T20:32:50.018" v="13" actId="20577"/>
+        <pc:sldMkLst>
+          <pc:docMk/>
+          <pc:sldMk cId="3105958610" sldId="261"/>
+        </pc:sldMkLst>
+        <pc:spChg chg="mod">
+          <ac:chgData name="matteo nunziante" userId="7f0da054e76bb5fa" providerId="LiveId" clId="{469FCFFF-E12D-4E02-96F7-F8ABF11198E0}" dt="2021-06-23T20:32:50.018" v="13" actId="20577"/>
+          <ac:spMkLst>
+            <pc:docMk/>
+            <pc:sldMk cId="3105958610" sldId="261"/>
+            <ac:spMk id="3" creationId="{B0933921-49B2-4173-B5BC-BA4E948C86B3}"/>
+          </ac:spMkLst>
+        </pc:spChg>
+      </pc:sldChg>
+      <pc:sldChg chg="addSp delSp modSp mod">
+        <pc:chgData name="matteo nunziante" userId="7f0da054e76bb5fa" providerId="LiveId" clId="{469FCFFF-E12D-4E02-96F7-F8ABF11198E0}" dt="2021-06-24T14:53:20.408" v="1225" actId="1076"/>
+        <pc:sldMkLst>
+          <pc:docMk/>
+          <pc:sldMk cId="171097244" sldId="262"/>
+        </pc:sldMkLst>
+        <pc:spChg chg="add del mod">
+          <ac:chgData name="matteo nunziante" userId="7f0da054e76bb5fa" providerId="LiveId" clId="{469FCFFF-E12D-4E02-96F7-F8ABF11198E0}" dt="2021-06-24T14:53:06.302" v="1219" actId="931"/>
+          <ac:spMkLst>
+            <pc:docMk/>
+            <pc:sldMk cId="171097244" sldId="262"/>
+            <ac:spMk id="4" creationId="{9D7F1270-B7BC-407C-81C7-AA344EAA6AE9}"/>
+          </ac:spMkLst>
+        </pc:spChg>
+        <pc:picChg chg="add mod">
+          <ac:chgData name="matteo nunziante" userId="7f0da054e76bb5fa" providerId="LiveId" clId="{469FCFFF-E12D-4E02-96F7-F8ABF11198E0}" dt="2021-06-24T14:53:20.408" v="1225" actId="1076"/>
+          <ac:picMkLst>
+            <pc:docMk/>
+            <pc:sldMk cId="171097244" sldId="262"/>
+            <ac:picMk id="6" creationId="{4F86447C-3AAB-464B-AE06-E0C9F60BFFF9}"/>
+          </ac:picMkLst>
+        </pc:picChg>
+        <pc:picChg chg="del">
+          <ac:chgData name="matteo nunziante" userId="7f0da054e76bb5fa" providerId="LiveId" clId="{469FCFFF-E12D-4E02-96F7-F8ABF11198E0}" dt="2021-06-24T14:52:57.887" v="1218" actId="478"/>
+          <ac:picMkLst>
+            <pc:docMk/>
+            <pc:sldMk cId="171097244" sldId="262"/>
+            <ac:picMk id="13" creationId="{EA4B99BD-D8FD-497D-B9DF-F7D0D3D54C4D}"/>
+          </ac:picMkLst>
+        </pc:picChg>
+      </pc:sldChg>
+      <pc:sldChg chg="addSp delSp modSp mod">
+        <pc:chgData name="matteo nunziante" userId="7f0da054e76bb5fa" providerId="LiveId" clId="{469FCFFF-E12D-4E02-96F7-F8ABF11198E0}" dt="2021-06-24T14:59:36.673" v="1229" actId="1076"/>
+        <pc:sldMkLst>
+          <pc:docMk/>
+          <pc:sldMk cId="3767453814" sldId="263"/>
+        </pc:sldMkLst>
+        <pc:spChg chg="add del mod">
+          <ac:chgData name="matteo nunziante" userId="7f0da054e76bb5fa" providerId="LiveId" clId="{469FCFFF-E12D-4E02-96F7-F8ABF11198E0}" dt="2021-06-24T14:59:31.307" v="1227" actId="931"/>
+          <ac:spMkLst>
+            <pc:docMk/>
+            <pc:sldMk cId="3767453814" sldId="263"/>
+            <ac:spMk id="4" creationId="{90BBDA72-8F2E-45F9-8767-3BF4EF1DA62E}"/>
+          </ac:spMkLst>
+        </pc:spChg>
+        <pc:picChg chg="del">
+          <ac:chgData name="matteo nunziante" userId="7f0da054e76bb5fa" providerId="LiveId" clId="{469FCFFF-E12D-4E02-96F7-F8ABF11198E0}" dt="2021-06-24T14:59:25.173" v="1226" actId="478"/>
+          <ac:picMkLst>
+            <pc:docMk/>
+            <pc:sldMk cId="3767453814" sldId="263"/>
+            <ac:picMk id="6" creationId="{77D1F87B-69ED-4481-B213-0C80D6ACFE07}"/>
+          </ac:picMkLst>
+        </pc:picChg>
+        <pc:picChg chg="add mod">
+          <ac:chgData name="matteo nunziante" userId="7f0da054e76bb5fa" providerId="LiveId" clId="{469FCFFF-E12D-4E02-96F7-F8ABF11198E0}" dt="2021-06-24T14:59:36.673" v="1229" actId="1076"/>
+          <ac:picMkLst>
+            <pc:docMk/>
+            <pc:sldMk cId="3767453814" sldId="263"/>
+            <ac:picMk id="7" creationId="{33EA8290-490D-404B-B8E9-68EC0B5A3F2C}"/>
+          </ac:picMkLst>
+        </pc:picChg>
+      </pc:sldChg>
+      <pc:sldChg chg="addSp delSp modSp mod">
+        <pc:chgData name="matteo nunziante" userId="7f0da054e76bb5fa" providerId="LiveId" clId="{469FCFFF-E12D-4E02-96F7-F8ABF11198E0}" dt="2021-06-24T15:10:27.698" v="1275" actId="1076"/>
+        <pc:sldMkLst>
+          <pc:docMk/>
+          <pc:sldMk cId="1656364660" sldId="264"/>
+        </pc:sldMkLst>
+        <pc:spChg chg="mod">
+          <ac:chgData name="matteo nunziante" userId="7f0da054e76bb5fa" providerId="LiveId" clId="{469FCFFF-E12D-4E02-96F7-F8ABF11198E0}" dt="2021-06-24T15:00:49.179" v="1269" actId="20577"/>
+          <ac:spMkLst>
+            <pc:docMk/>
+            <pc:sldMk cId="1656364660" sldId="264"/>
+            <ac:spMk id="2" creationId="{73584EC9-6376-4740-82F1-D5BA756B3C05}"/>
+          </ac:spMkLst>
+        </pc:spChg>
+        <pc:spChg chg="add del mod">
+          <ac:chgData name="matteo nunziante" userId="7f0da054e76bb5fa" providerId="LiveId" clId="{469FCFFF-E12D-4E02-96F7-F8ABF11198E0}" dt="2021-06-24T15:10:19.634" v="1271" actId="931"/>
+          <ac:spMkLst>
+            <pc:docMk/>
+            <pc:sldMk cId="1656364660" sldId="264"/>
+            <ac:spMk id="4" creationId="{6E986A99-2694-4E2F-AAF6-04AE81495D28}"/>
+          </ac:spMkLst>
+        </pc:spChg>
+        <pc:picChg chg="add mod">
+          <ac:chgData name="matteo nunziante" userId="7f0da054e76bb5fa" providerId="LiveId" clId="{469FCFFF-E12D-4E02-96F7-F8ABF11198E0}" dt="2021-06-24T15:10:27.698" v="1275" actId="1076"/>
+          <ac:picMkLst>
+            <pc:docMk/>
+            <pc:sldMk cId="1656364660" sldId="264"/>
+            <ac:picMk id="6" creationId="{9E7D1BEA-75E7-4BE7-8FD4-B65855E0E387}"/>
+          </ac:picMkLst>
+        </pc:picChg>
+        <pc:picChg chg="del">
+          <ac:chgData name="matteo nunziante" userId="7f0da054e76bb5fa" providerId="LiveId" clId="{469FCFFF-E12D-4E02-96F7-F8ABF11198E0}" dt="2021-06-24T15:10:12.240" v="1270" actId="478"/>
+          <ac:picMkLst>
+            <pc:docMk/>
+            <pc:sldMk cId="1656364660" sldId="264"/>
+            <ac:picMk id="15" creationId="{97D38BD7-FC89-4E56-AB03-373FB8631691}"/>
+          </ac:picMkLst>
+        </pc:picChg>
+      </pc:sldChg>
+      <pc:sldChg chg="addSp delSp modSp mod">
+        <pc:chgData name="matteo nunziante" userId="7f0da054e76bb5fa" providerId="LiveId" clId="{469FCFFF-E12D-4E02-96F7-F8ABF11198E0}" dt="2021-06-24T15:56:26.971" v="1289" actId="1037"/>
+        <pc:sldMkLst>
+          <pc:docMk/>
+          <pc:sldMk cId="1810590124" sldId="265"/>
+        </pc:sldMkLst>
+        <pc:spChg chg="add del mod">
+          <ac:chgData name="matteo nunziante" userId="7f0da054e76bb5fa" providerId="LiveId" clId="{469FCFFF-E12D-4E02-96F7-F8ABF11198E0}" dt="2021-06-24T15:56:09.020" v="1277" actId="931"/>
+          <ac:spMkLst>
+            <pc:docMk/>
+            <pc:sldMk cId="1810590124" sldId="265"/>
+            <ac:spMk id="4" creationId="{8B8F6729-81BE-42DB-B8AF-D8D2A522F076}"/>
+          </ac:spMkLst>
+        </pc:spChg>
+        <pc:picChg chg="del">
+          <ac:chgData name="matteo nunziante" userId="7f0da054e76bb5fa" providerId="LiveId" clId="{469FCFFF-E12D-4E02-96F7-F8ABF11198E0}" dt="2021-06-24T15:56:02.034" v="1276" actId="478"/>
+          <ac:picMkLst>
+            <pc:docMk/>
+            <pc:sldMk cId="1810590124" sldId="265"/>
+            <ac:picMk id="6" creationId="{483E1B36-61A4-4230-A3E2-ABBA6676C4CA}"/>
+          </ac:picMkLst>
+        </pc:picChg>
+        <pc:picChg chg="add mod">
+          <ac:chgData name="matteo nunziante" userId="7f0da054e76bb5fa" providerId="LiveId" clId="{469FCFFF-E12D-4E02-96F7-F8ABF11198E0}" dt="2021-06-24T15:56:26.971" v="1289" actId="1037"/>
+          <ac:picMkLst>
+            <pc:docMk/>
+            <pc:sldMk cId="1810590124" sldId="265"/>
+            <ac:picMk id="7" creationId="{E434F583-1731-45E1-998A-3844357FA34B}"/>
+          </ac:picMkLst>
+        </pc:picChg>
+      </pc:sldChg>
+      <pc:sldChg chg="addSp delSp modSp mod">
+        <pc:chgData name="matteo nunziante" userId="7f0da054e76bb5fa" providerId="LiveId" clId="{469FCFFF-E12D-4E02-96F7-F8ABF11198E0}" dt="2021-06-24T16:02:24.102" v="1295" actId="1076"/>
+        <pc:sldMkLst>
+          <pc:docMk/>
+          <pc:sldMk cId="4121382712" sldId="266"/>
+        </pc:sldMkLst>
+        <pc:spChg chg="add del mod">
+          <ac:chgData name="matteo nunziante" userId="7f0da054e76bb5fa" providerId="LiveId" clId="{469FCFFF-E12D-4E02-96F7-F8ABF11198E0}" dt="2021-06-24T16:02:13.720" v="1291" actId="931"/>
+          <ac:spMkLst>
+            <pc:docMk/>
+            <pc:sldMk cId="4121382712" sldId="266"/>
+            <ac:spMk id="4" creationId="{3579BEFF-4A64-4849-9817-D9CF1ACC10CE}"/>
+          </ac:spMkLst>
+        </pc:spChg>
+        <pc:picChg chg="add mod">
+          <ac:chgData name="matteo nunziante" userId="7f0da054e76bb5fa" providerId="LiveId" clId="{469FCFFF-E12D-4E02-96F7-F8ABF11198E0}" dt="2021-06-24T16:02:24.102" v="1295" actId="1076"/>
+          <ac:picMkLst>
+            <pc:docMk/>
+            <pc:sldMk cId="4121382712" sldId="266"/>
+            <ac:picMk id="6" creationId="{1BE2DBB6-5BFA-40A2-BFEA-583033D9D2FE}"/>
+          </ac:picMkLst>
+        </pc:picChg>
+        <pc:picChg chg="del">
+          <ac:chgData name="matteo nunziante" userId="7f0da054e76bb5fa" providerId="LiveId" clId="{469FCFFF-E12D-4E02-96F7-F8ABF11198E0}" dt="2021-06-24T16:02:06.447" v="1290" actId="478"/>
+          <ac:picMkLst>
+            <pc:docMk/>
+            <pc:sldMk cId="4121382712" sldId="266"/>
+            <ac:picMk id="7" creationId="{3B450004-FA65-4B79-8037-F53C01144B69}"/>
+          </ac:picMkLst>
+        </pc:picChg>
+      </pc:sldChg>
+      <pc:sldChg chg="addSp delSp modSp mod">
+        <pc:chgData name="matteo nunziante" userId="7f0da054e76bb5fa" providerId="LiveId" clId="{469FCFFF-E12D-4E02-96F7-F8ABF11198E0}" dt="2021-06-24T16:22:15.388" v="1338" actId="1076"/>
+        <pc:sldMkLst>
+          <pc:docMk/>
+          <pc:sldMk cId="1813492435" sldId="267"/>
+        </pc:sldMkLst>
+        <pc:spChg chg="mod">
+          <ac:chgData name="matteo nunziante" userId="7f0da054e76bb5fa" providerId="LiveId" clId="{469FCFFF-E12D-4E02-96F7-F8ABF11198E0}" dt="2021-06-24T16:02:39.640" v="1333" actId="20577"/>
+          <ac:spMkLst>
+            <pc:docMk/>
+            <pc:sldMk cId="1813492435" sldId="267"/>
+            <ac:spMk id="2" creationId="{73584EC9-6376-4740-82F1-D5BA756B3C05}"/>
+          </ac:spMkLst>
+        </pc:spChg>
+        <pc:spChg chg="add del mod">
+          <ac:chgData name="matteo nunziante" userId="7f0da054e76bb5fa" providerId="LiveId" clId="{469FCFFF-E12D-4E02-96F7-F8ABF11198E0}" dt="2021-06-24T16:22:08.707" v="1336" actId="931"/>
+          <ac:spMkLst>
+            <pc:docMk/>
+            <pc:sldMk cId="1813492435" sldId="267"/>
+            <ac:spMk id="4" creationId="{1DC98CF4-B230-4B41-8BC0-680DA7E5A7F7}"/>
+          </ac:spMkLst>
+        </pc:spChg>
+        <pc:picChg chg="add mod">
+          <ac:chgData name="matteo nunziante" userId="7f0da054e76bb5fa" providerId="LiveId" clId="{469FCFFF-E12D-4E02-96F7-F8ABF11198E0}" dt="2021-06-24T16:22:15.388" v="1338" actId="1076"/>
+          <ac:picMkLst>
+            <pc:docMk/>
+            <pc:sldMk cId="1813492435" sldId="267"/>
+            <ac:picMk id="6" creationId="{B31E0CD1-30BB-4DC9-8676-E02532251FFF}"/>
+          </ac:picMkLst>
+        </pc:picChg>
+        <pc:picChg chg="del mod">
+          <ac:chgData name="matteo nunziante" userId="7f0da054e76bb5fa" providerId="LiveId" clId="{469FCFFF-E12D-4E02-96F7-F8ABF11198E0}" dt="2021-06-24T16:02:48.060" v="1335" actId="478"/>
+          <ac:picMkLst>
+            <pc:docMk/>
+            <pc:sldMk cId="1813492435" sldId="267"/>
+            <ac:picMk id="11" creationId="{84FC1E35-9534-4DEE-B5DE-D44ECED40629}"/>
+          </ac:picMkLst>
+        </pc:picChg>
+      </pc:sldChg>
+      <pc:sldChg chg="addSp delSp modSp mod">
+        <pc:chgData name="matteo nunziante" userId="7f0da054e76bb5fa" providerId="LiveId" clId="{469FCFFF-E12D-4E02-96F7-F8ABF11198E0}" dt="2021-06-24T16:51:20.986" v="1358" actId="1076"/>
+        <pc:sldMkLst>
+          <pc:docMk/>
+          <pc:sldMk cId="1857120930" sldId="268"/>
+        </pc:sldMkLst>
+        <pc:spChg chg="add del mod">
+          <ac:chgData name="matteo nunziante" userId="7f0da054e76bb5fa" providerId="LiveId" clId="{469FCFFF-E12D-4E02-96F7-F8ABF11198E0}" dt="2021-06-24T16:48:17.500" v="1354" actId="931"/>
+          <ac:spMkLst>
+            <pc:docMk/>
+            <pc:sldMk cId="1857120930" sldId="268"/>
+            <ac:spMk id="4" creationId="{BA7103D2-6C6E-4EC3-84A4-54E5A6BE052D}"/>
+          </ac:spMkLst>
+        </pc:spChg>
+        <pc:picChg chg="add mod">
+          <ac:chgData name="matteo nunziante" userId="7f0da054e76bb5fa" providerId="LiveId" clId="{469FCFFF-E12D-4E02-96F7-F8ABF11198E0}" dt="2021-06-24T16:51:20.986" v="1358" actId="1076"/>
+          <ac:picMkLst>
+            <pc:docMk/>
+            <pc:sldMk cId="1857120930" sldId="268"/>
+            <ac:picMk id="6" creationId="{91069921-63A1-4FDC-A35B-2D1AD197098B}"/>
+          </ac:picMkLst>
+        </pc:picChg>
+        <pc:picChg chg="del">
+          <ac:chgData name="matteo nunziante" userId="7f0da054e76bb5fa" providerId="LiveId" clId="{469FCFFF-E12D-4E02-96F7-F8ABF11198E0}" dt="2021-06-24T16:48:05.692" v="1353" actId="478"/>
+          <ac:picMkLst>
+            <pc:docMk/>
+            <pc:sldMk cId="1857120930" sldId="268"/>
+            <ac:picMk id="10" creationId="{EAA0AD4F-0315-4C5D-A12F-EEB23E453141}"/>
+          </ac:picMkLst>
+        </pc:picChg>
+      </pc:sldChg>
+      <pc:sldChg chg="del">
+        <pc:chgData name="matteo nunziante" userId="7f0da054e76bb5fa" providerId="LiveId" clId="{469FCFFF-E12D-4E02-96F7-F8ABF11198E0}" dt="2021-06-24T16:51:34.393" v="1359" actId="47"/>
+        <pc:sldMkLst>
+          <pc:docMk/>
+          <pc:sldMk cId="1304985474" sldId="269"/>
+        </pc:sldMkLst>
+      </pc:sldChg>
+      <pc:sldChg chg="addSp delSp modSp mod">
+        <pc:chgData name="matteo nunziante" userId="7f0da054e76bb5fa" providerId="LiveId" clId="{469FCFFF-E12D-4E02-96F7-F8ABF11198E0}" dt="2021-06-24T17:03:05.913" v="1399" actId="1076"/>
+        <pc:sldMkLst>
+          <pc:docMk/>
+          <pc:sldMk cId="2040451006" sldId="270"/>
+        </pc:sldMkLst>
+        <pc:spChg chg="mod">
+          <ac:chgData name="matteo nunziante" userId="7f0da054e76bb5fa" providerId="LiveId" clId="{469FCFFF-E12D-4E02-96F7-F8ABF11198E0}" dt="2021-06-24T16:51:56.308" v="1394" actId="20577"/>
+          <ac:spMkLst>
+            <pc:docMk/>
+            <pc:sldMk cId="2040451006" sldId="270"/>
+            <ac:spMk id="2" creationId="{73584EC9-6376-4740-82F1-D5BA756B3C05}"/>
+          </ac:spMkLst>
+        </pc:spChg>
+        <pc:spChg chg="add del mod">
+          <ac:chgData name="matteo nunziante" userId="7f0da054e76bb5fa" providerId="LiveId" clId="{469FCFFF-E12D-4E02-96F7-F8ABF11198E0}" dt="2021-06-24T17:02:52.645" v="1397" actId="931"/>
+          <ac:spMkLst>
+            <pc:docMk/>
+            <pc:sldMk cId="2040451006" sldId="270"/>
+            <ac:spMk id="4" creationId="{699BA398-640B-4E1C-AD8A-33F2E31E0B7B}"/>
+          </ac:spMkLst>
+        </pc:spChg>
+        <pc:picChg chg="add mod">
+          <ac:chgData name="matteo nunziante" userId="7f0da054e76bb5fa" providerId="LiveId" clId="{469FCFFF-E12D-4E02-96F7-F8ABF11198E0}" dt="2021-06-24T17:03:05.913" v="1399" actId="1076"/>
+          <ac:picMkLst>
+            <pc:docMk/>
+            <pc:sldMk cId="2040451006" sldId="270"/>
+            <ac:picMk id="6" creationId="{5EDD9F19-72BD-4E3B-90F6-0360CA103CA0}"/>
+          </ac:picMkLst>
+        </pc:picChg>
+        <pc:picChg chg="del">
+          <ac:chgData name="matteo nunziante" userId="7f0da054e76bb5fa" providerId="LiveId" clId="{469FCFFF-E12D-4E02-96F7-F8ABF11198E0}" dt="2021-06-24T16:51:58.661" v="1395" actId="478"/>
+          <ac:picMkLst>
+            <pc:docMk/>
+            <pc:sldMk cId="2040451006" sldId="270"/>
+            <ac:picMk id="7" creationId="{5F734164-FB2A-4E51-B2BF-854F6E5C10F5}"/>
+          </ac:picMkLst>
+        </pc:picChg>
+      </pc:sldChg>
+      <pc:sldChg chg="del">
+        <pc:chgData name="matteo nunziante" userId="7f0da054e76bb5fa" providerId="LiveId" clId="{469FCFFF-E12D-4E02-96F7-F8ABF11198E0}" dt="2021-06-24T16:52:02.860" v="1396" actId="47"/>
+        <pc:sldMkLst>
+          <pc:docMk/>
+          <pc:sldMk cId="3157827396" sldId="271"/>
+        </pc:sldMkLst>
+      </pc:sldChg>
+      <pc:sldChg chg="addSp delSp modSp mod">
+        <pc:chgData name="matteo nunziante" userId="7f0da054e76bb5fa" providerId="LiveId" clId="{469FCFFF-E12D-4E02-96F7-F8ABF11198E0}" dt="2021-06-24T17:07:46.642" v="1405" actId="1076"/>
+        <pc:sldMkLst>
+          <pc:docMk/>
+          <pc:sldMk cId="1503668554" sldId="272"/>
+        </pc:sldMkLst>
+        <pc:spChg chg="add del mod">
+          <ac:chgData name="matteo nunziante" userId="7f0da054e76bb5fa" providerId="LiveId" clId="{469FCFFF-E12D-4E02-96F7-F8ABF11198E0}" dt="2021-06-24T17:07:39.200" v="1401" actId="931"/>
+          <ac:spMkLst>
+            <pc:docMk/>
+            <pc:sldMk cId="1503668554" sldId="272"/>
+            <ac:spMk id="4" creationId="{159F7359-6013-4E5F-83A9-00BEB40315D5}"/>
+          </ac:spMkLst>
+        </pc:spChg>
+        <pc:picChg chg="add mod">
+          <ac:chgData name="matteo nunziante" userId="7f0da054e76bb5fa" providerId="LiveId" clId="{469FCFFF-E12D-4E02-96F7-F8ABF11198E0}" dt="2021-06-24T17:07:46.642" v="1405" actId="1076"/>
+          <ac:picMkLst>
+            <pc:docMk/>
+            <pc:sldMk cId="1503668554" sldId="272"/>
+            <ac:picMk id="6" creationId="{256963C5-B1FA-4DA1-AE3A-5009B4ECB871}"/>
+          </ac:picMkLst>
+        </pc:picChg>
+        <pc:picChg chg="del">
+          <ac:chgData name="matteo nunziante" userId="7f0da054e76bb5fa" providerId="LiveId" clId="{469FCFFF-E12D-4E02-96F7-F8ABF11198E0}" dt="2021-06-24T17:07:32.704" v="1400" actId="478"/>
+          <ac:picMkLst>
+            <pc:docMk/>
+            <pc:sldMk cId="1503668554" sldId="272"/>
+            <ac:picMk id="7" creationId="{5E5C4C98-C055-4CD2-8BF6-C59EF0600B3E}"/>
+          </ac:picMkLst>
+        </pc:picChg>
+      </pc:sldChg>
+      <pc:sldChg chg="modSp add mod">
+        <pc:chgData name="matteo nunziante" userId="7f0da054e76bb5fa" providerId="LiveId" clId="{469FCFFF-E12D-4E02-96F7-F8ABF11198E0}" dt="2021-06-24T14:01:38.303" v="525" actId="20577"/>
+        <pc:sldMkLst>
+          <pc:docMk/>
+          <pc:sldMk cId="3109224949" sldId="273"/>
+        </pc:sldMkLst>
+        <pc:spChg chg="mod">
+          <ac:chgData name="matteo nunziante" userId="7f0da054e76bb5fa" providerId="LiveId" clId="{469FCFFF-E12D-4E02-96F7-F8ABF11198E0}" dt="2021-06-24T13:41:08.936" v="367"/>
+          <ac:spMkLst>
+            <pc:docMk/>
+            <pc:sldMk cId="3109224949" sldId="273"/>
+            <ac:spMk id="2" creationId="{08E04582-8C25-40D6-9732-054BB8D7FF22}"/>
+          </ac:spMkLst>
+        </pc:spChg>
+        <pc:spChg chg="mod">
+          <ac:chgData name="matteo nunziante" userId="7f0da054e76bb5fa" providerId="LiveId" clId="{469FCFFF-E12D-4E02-96F7-F8ABF11198E0}" dt="2021-06-24T13:49:11.852" v="516" actId="20577"/>
+          <ac:spMkLst>
+            <pc:docMk/>
+            <pc:sldMk cId="3109224949" sldId="273"/>
+            <ac:spMk id="3" creationId="{1EF1ADE0-3806-4186-A7B5-9895B21CCABC}"/>
+          </ac:spMkLst>
+        </pc:spChg>
+        <pc:spChg chg="mod">
+          <ac:chgData name="matteo nunziante" userId="7f0da054e76bb5fa" providerId="LiveId" clId="{469FCFFF-E12D-4E02-96F7-F8ABF11198E0}" dt="2021-06-24T14:01:38.303" v="525" actId="20577"/>
+          <ac:spMkLst>
+            <pc:docMk/>
+            <pc:sldMk cId="3109224949" sldId="273"/>
+            <ac:spMk id="4" creationId="{83201C16-28B8-4889-A469-C9F1F9835A9A}"/>
+          </ac:spMkLst>
+        </pc:spChg>
+      </pc:sldChg>
+      <pc:sldChg chg="modSp new del mod">
+        <pc:chgData name="matteo nunziante" userId="7f0da054e76bb5fa" providerId="LiveId" clId="{469FCFFF-E12D-4E02-96F7-F8ABF11198E0}" dt="2021-06-24T14:18:02.915" v="565" actId="2696"/>
+        <pc:sldMkLst>
+          <pc:docMk/>
+          <pc:sldMk cId="3519754510" sldId="274"/>
+        </pc:sldMkLst>
+        <pc:spChg chg="mod">
+          <ac:chgData name="matteo nunziante" userId="7f0da054e76bb5fa" providerId="LiveId" clId="{469FCFFF-E12D-4E02-96F7-F8ABF11198E0}" dt="2021-06-24T14:17:53.749" v="563" actId="20577"/>
+          <ac:spMkLst>
+            <pc:docMk/>
+            <pc:sldMk cId="3519754510" sldId="274"/>
+            <ac:spMk id="2" creationId="{81276AAE-4D43-4FDD-B6B3-CE6C09B008B2}"/>
+          </ac:spMkLst>
+        </pc:spChg>
+      </pc:sldChg>
+      <pc:sldChg chg="addSp modSp add mod">
+        <pc:chgData name="matteo nunziante" userId="7f0da054e76bb5fa" providerId="LiveId" clId="{469FCFFF-E12D-4E02-96F7-F8ABF11198E0}" dt="2021-06-24T14:24:54.520" v="843" actId="27636"/>
+        <pc:sldMkLst>
+          <pc:docMk/>
+          <pc:sldMk cId="479429459" sldId="275"/>
+        </pc:sldMkLst>
+        <pc:spChg chg="mod">
+          <ac:chgData name="matteo nunziante" userId="7f0da054e76bb5fa" providerId="LiveId" clId="{469FCFFF-E12D-4E02-96F7-F8ABF11198E0}" dt="2021-06-24T14:21:57.621" v="692" actId="20577"/>
+          <ac:spMkLst>
+            <pc:docMk/>
+            <pc:sldMk cId="479429459" sldId="275"/>
+            <ac:spMk id="2" creationId="{13312F49-A7CC-45E7-8EEA-E6A969CBDE80}"/>
+          </ac:spMkLst>
+        </pc:spChg>
+        <pc:spChg chg="mod">
+          <ac:chgData name="matteo nunziante" userId="7f0da054e76bb5fa" providerId="LiveId" clId="{469FCFFF-E12D-4E02-96F7-F8ABF11198E0}" dt="2021-06-24T14:21:31.024" v="683" actId="20577"/>
+          <ac:spMkLst>
+            <pc:docMk/>
+            <pc:sldMk cId="479429459" sldId="275"/>
+            <ac:spMk id="3" creationId="{B0933921-49B2-4173-B5BC-BA4E948C86B3}"/>
+          </ac:spMkLst>
+        </pc:spChg>
+        <pc:spChg chg="add mod">
+          <ac:chgData name="matteo nunziante" userId="7f0da054e76bb5fa" providerId="LiveId" clId="{469FCFFF-E12D-4E02-96F7-F8ABF11198E0}" dt="2021-06-24T14:24:54.520" v="843" actId="27636"/>
+          <ac:spMkLst>
+            <pc:docMk/>
+            <pc:sldMk cId="479429459" sldId="275"/>
+            <ac:spMk id="4" creationId="{8999E375-18DD-4A9C-9690-C733885C3AD3}"/>
+          </ac:spMkLst>
+        </pc:spChg>
+      </pc:sldChg>
+      <pc:sldChg chg="modSp add mod">
+        <pc:chgData name="matteo nunziante" userId="7f0da054e76bb5fa" providerId="LiveId" clId="{469FCFFF-E12D-4E02-96F7-F8ABF11198E0}" dt="2021-06-24T14:32:33.893" v="1217" actId="1076"/>
+        <pc:sldMkLst>
+          <pc:docMk/>
+          <pc:sldMk cId="2213910172" sldId="276"/>
+        </pc:sldMkLst>
+        <pc:spChg chg="mod">
+          <ac:chgData name="matteo nunziante" userId="7f0da054e76bb5fa" providerId="LiveId" clId="{469FCFFF-E12D-4E02-96F7-F8ABF11198E0}" dt="2021-06-24T14:25:37.283" v="865" actId="20577"/>
+          <ac:spMkLst>
+            <pc:docMk/>
+            <pc:sldMk cId="2213910172" sldId="276"/>
+            <ac:spMk id="2" creationId="{13312F49-A7CC-45E7-8EEA-E6A969CBDE80}"/>
+          </ac:spMkLst>
+        </pc:spChg>
+        <pc:spChg chg="mod">
+          <ac:chgData name="matteo nunziante" userId="7f0da054e76bb5fa" providerId="LiveId" clId="{469FCFFF-E12D-4E02-96F7-F8ABF11198E0}" dt="2021-06-24T14:32:33.893" v="1217" actId="1076"/>
+          <ac:spMkLst>
+            <pc:docMk/>
+            <pc:sldMk cId="2213910172" sldId="276"/>
+            <ac:spMk id="3" creationId="{B0933921-49B2-4173-B5BC-BA4E948C86B3}"/>
+          </ac:spMkLst>
+        </pc:spChg>
+        <pc:spChg chg="mod">
+          <ac:chgData name="matteo nunziante" userId="7f0da054e76bb5fa" providerId="LiveId" clId="{469FCFFF-E12D-4E02-96F7-F8ABF11198E0}" dt="2021-06-24T14:29:32.355" v="1075" actId="20577"/>
+          <ac:spMkLst>
+            <pc:docMk/>
+            <pc:sldMk cId="2213910172" sldId="276"/>
+            <ac:spMk id="4" creationId="{8999E375-18DD-4A9C-9690-C733885C3AD3}"/>
+          </ac:spMkLst>
+        </pc:spChg>
+      </pc:sldChg>
+      <pc:sldChg chg="delSp modSp add mod">
+        <pc:chgData name="matteo nunziante" userId="7f0da054e76bb5fa" providerId="LiveId" clId="{469FCFFF-E12D-4E02-96F7-F8ABF11198E0}" dt="2021-06-24T14:32:15.842" v="1216" actId="1076"/>
+        <pc:sldMkLst>
+          <pc:docMk/>
+          <pc:sldMk cId="1806640601" sldId="277"/>
+        </pc:sldMkLst>
+        <pc:spChg chg="mod">
+          <ac:chgData name="matteo nunziante" userId="7f0da054e76bb5fa" providerId="LiveId" clId="{469FCFFF-E12D-4E02-96F7-F8ABF11198E0}" dt="2021-06-24T14:30:05.874" v="1094" actId="20577"/>
+          <ac:spMkLst>
+            <pc:docMk/>
+            <pc:sldMk cId="1806640601" sldId="277"/>
+            <ac:spMk id="2" creationId="{13312F49-A7CC-45E7-8EEA-E6A969CBDE80}"/>
+          </ac:spMkLst>
+        </pc:spChg>
+        <pc:spChg chg="mod">
+          <ac:chgData name="matteo nunziante" userId="7f0da054e76bb5fa" providerId="LiveId" clId="{469FCFFF-E12D-4E02-96F7-F8ABF11198E0}" dt="2021-06-24T14:32:15.842" v="1216" actId="1076"/>
+          <ac:spMkLst>
+            <pc:docMk/>
+            <pc:sldMk cId="1806640601" sldId="277"/>
+            <ac:spMk id="3" creationId="{B0933921-49B2-4173-B5BC-BA4E948C86B3}"/>
+          </ac:spMkLst>
+        </pc:spChg>
+        <pc:spChg chg="del mod">
+          <ac:chgData name="matteo nunziante" userId="7f0da054e76bb5fa" providerId="LiveId" clId="{469FCFFF-E12D-4E02-96F7-F8ABF11198E0}" dt="2021-06-24T14:30:29.496" v="1096" actId="478"/>
+          <ac:spMkLst>
+            <pc:docMk/>
+            <pc:sldMk cId="1806640601" sldId="277"/>
+            <ac:spMk id="4" creationId="{8999E375-18DD-4A9C-9690-C733885C3AD3}"/>
+          </ac:spMkLst>
+        </pc:spChg>
+      </pc:sldChg>
+      <pc:sldChg chg="addSp delSp modSp add mod">
+        <pc:chgData name="matteo nunziante" userId="7f0da054e76bb5fa" providerId="LiveId" clId="{469FCFFF-E12D-4E02-96F7-F8ABF11198E0}" dt="2021-06-24T16:34:00.025" v="1352" actId="1076"/>
+        <pc:sldMkLst>
+          <pc:docMk/>
+          <pc:sldMk cId="1985422606" sldId="278"/>
+        </pc:sldMkLst>
+        <pc:spChg chg="mod">
+          <ac:chgData name="matteo nunziante" userId="7f0da054e76bb5fa" providerId="LiveId" clId="{469FCFFF-E12D-4E02-96F7-F8ABF11198E0}" dt="2021-06-24T16:23:03.540" v="1349" actId="20577"/>
+          <ac:spMkLst>
+            <pc:docMk/>
+            <pc:sldMk cId="1985422606" sldId="278"/>
+            <ac:spMk id="2" creationId="{73584EC9-6376-4740-82F1-D5BA756B3C05}"/>
+          </ac:spMkLst>
+        </pc:spChg>
+        <pc:spChg chg="add del mod">
+          <ac:chgData name="matteo nunziante" userId="7f0da054e76bb5fa" providerId="LiveId" clId="{469FCFFF-E12D-4E02-96F7-F8ABF11198E0}" dt="2021-06-24T16:33:54.956" v="1350" actId="931"/>
+          <ac:spMkLst>
+            <pc:docMk/>
+            <pc:sldMk cId="1985422606" sldId="278"/>
+            <ac:spMk id="4" creationId="{62724E9A-EDB0-4A2C-BDA9-115F2C81E58C}"/>
+          </ac:spMkLst>
+        </pc:spChg>
+        <pc:picChg chg="del mod">
+          <ac:chgData name="matteo nunziante" userId="7f0da054e76bb5fa" providerId="LiveId" clId="{469FCFFF-E12D-4E02-96F7-F8ABF11198E0}" dt="2021-06-24T16:22:58.668" v="1341" actId="478"/>
+          <ac:picMkLst>
+            <pc:docMk/>
+            <pc:sldMk cId="1985422606" sldId="278"/>
+            <ac:picMk id="6" creationId="{B31E0CD1-30BB-4DC9-8676-E02532251FFF}"/>
+          </ac:picMkLst>
+        </pc:picChg>
+        <pc:picChg chg="add mod">
+          <ac:chgData name="matteo nunziante" userId="7f0da054e76bb5fa" providerId="LiveId" clId="{469FCFFF-E12D-4E02-96F7-F8ABF11198E0}" dt="2021-06-24T16:34:00.025" v="1352" actId="1076"/>
+          <ac:picMkLst>
+            <pc:docMk/>
+            <pc:sldMk cId="1985422606" sldId="278"/>
+            <ac:picMk id="7" creationId="{E8063FAD-78EB-4D7B-99FE-E4AB91EF1600}"/>
+          </ac:picMkLst>
+        </pc:picChg>
+      </pc:sldChg>
+      <pc:sldChg chg="addSp delSp modSp add mod">
+        <pc:chgData name="matteo nunziante" userId="7f0da054e76bb5fa" providerId="LiveId" clId="{469FCFFF-E12D-4E02-96F7-F8ABF11198E0}" dt="2021-06-24T22:00:12.306" v="1447" actId="1076"/>
+        <pc:sldMkLst>
+          <pc:docMk/>
+          <pc:sldMk cId="4075269432" sldId="279"/>
+        </pc:sldMkLst>
+        <pc:spChg chg="mod">
+          <ac:chgData name="matteo nunziante" userId="7f0da054e76bb5fa" providerId="LiveId" clId="{469FCFFF-E12D-4E02-96F7-F8ABF11198E0}" dt="2021-06-24T22:00:06.189" v="1444" actId="1076"/>
+          <ac:spMkLst>
+            <pc:docMk/>
+            <pc:sldMk cId="4075269432" sldId="279"/>
+            <ac:spMk id="2" creationId="{73584EC9-6376-4740-82F1-D5BA756B3C05}"/>
+          </ac:spMkLst>
+        </pc:spChg>
+        <pc:spChg chg="add del mod">
+          <ac:chgData name="matteo nunziante" userId="7f0da054e76bb5fa" providerId="LiveId" clId="{469FCFFF-E12D-4E02-96F7-F8ABF11198E0}" dt="2021-06-24T21:59:42.940" v="1440" actId="931"/>
+          <ac:spMkLst>
+            <pc:docMk/>
+            <pc:sldMk cId="4075269432" sldId="279"/>
+            <ac:spMk id="4" creationId="{6C6033C8-99D2-4FB7-8868-3D4C3A37D4B7}"/>
+          </ac:spMkLst>
+        </pc:spChg>
+        <pc:picChg chg="del">
+          <ac:chgData name="matteo nunziante" userId="7f0da054e76bb5fa" providerId="LiveId" clId="{469FCFFF-E12D-4E02-96F7-F8ABF11198E0}" dt="2021-06-24T21:59:36.475" v="1439" actId="478"/>
+          <ac:picMkLst>
+            <pc:docMk/>
+            <pc:sldMk cId="4075269432" sldId="279"/>
+            <ac:picMk id="6" creationId="{91069921-63A1-4FDC-A35B-2D1AD197098B}"/>
+          </ac:picMkLst>
+        </pc:picChg>
+        <pc:picChg chg="add mod">
+          <ac:chgData name="matteo nunziante" userId="7f0da054e76bb5fa" providerId="LiveId" clId="{469FCFFF-E12D-4E02-96F7-F8ABF11198E0}" dt="2021-06-24T22:00:12.306" v="1447" actId="1076"/>
+          <ac:picMkLst>
+            <pc:docMk/>
+            <pc:sldMk cId="4075269432" sldId="279"/>
+            <ac:picMk id="7" creationId="{C546620D-5778-4055-A08C-8D198051338F}"/>
+          </ac:picMkLst>
+        </pc:picChg>
+      </pc:sldChg>
+    </pc:docChg>
+  </pc:docChgLst>
 </pc:chgInfo>
 </file>
 
@@ -335,7 +1012,7 @@
           <a:p>
             <a:fld id="{E8599015-8B6E-45EB-8D1C-800E116D7968}" type="datetimeFigureOut">
               <a:rPr lang="it-IT" smtClean="0"/>
-              <a:t>08/06/2021</a:t>
+              <a:t>24/06/2021</a:t>
             </a:fld>
             <a:endParaRPr lang="it-IT"/>
           </a:p>
@@ -533,7 +1210,7 @@
           <a:p>
             <a:fld id="{E8599015-8B6E-45EB-8D1C-800E116D7968}" type="datetimeFigureOut">
               <a:rPr lang="it-IT" smtClean="0"/>
-              <a:t>08/06/2021</a:t>
+              <a:t>24/06/2021</a:t>
             </a:fld>
             <a:endParaRPr lang="it-IT"/>
           </a:p>
@@ -741,7 +1418,7 @@
           <a:p>
             <a:fld id="{E8599015-8B6E-45EB-8D1C-800E116D7968}" type="datetimeFigureOut">
               <a:rPr lang="it-IT" smtClean="0"/>
-              <a:t>08/06/2021</a:t>
+              <a:t>24/06/2021</a:t>
             </a:fld>
             <a:endParaRPr lang="it-IT"/>
           </a:p>
@@ -939,7 +1616,7 @@
           <a:p>
             <a:fld id="{E8599015-8B6E-45EB-8D1C-800E116D7968}" type="datetimeFigureOut">
               <a:rPr lang="it-IT" smtClean="0"/>
-              <a:t>08/06/2021</a:t>
+              <a:t>24/06/2021</a:t>
             </a:fld>
             <a:endParaRPr lang="it-IT"/>
           </a:p>
@@ -1214,7 +1891,7 @@
           <a:p>
             <a:fld id="{E8599015-8B6E-45EB-8D1C-800E116D7968}" type="datetimeFigureOut">
               <a:rPr lang="it-IT" smtClean="0"/>
-              <a:t>08/06/2021</a:t>
+              <a:t>24/06/2021</a:t>
             </a:fld>
             <a:endParaRPr lang="it-IT"/>
           </a:p>
@@ -1479,7 +2156,7 @@
           <a:p>
             <a:fld id="{E8599015-8B6E-45EB-8D1C-800E116D7968}" type="datetimeFigureOut">
               <a:rPr lang="it-IT" smtClean="0"/>
-              <a:t>08/06/2021</a:t>
+              <a:t>24/06/2021</a:t>
             </a:fld>
             <a:endParaRPr lang="it-IT"/>
           </a:p>
@@ -1891,7 +2568,7 @@
           <a:p>
             <a:fld id="{E8599015-8B6E-45EB-8D1C-800E116D7968}" type="datetimeFigureOut">
               <a:rPr lang="it-IT" smtClean="0"/>
-              <a:t>08/06/2021</a:t>
+              <a:t>24/06/2021</a:t>
             </a:fld>
             <a:endParaRPr lang="it-IT"/>
           </a:p>
@@ -2032,7 +2709,7 @@
           <a:p>
             <a:fld id="{E8599015-8B6E-45EB-8D1C-800E116D7968}" type="datetimeFigureOut">
               <a:rPr lang="it-IT" smtClean="0"/>
-              <a:t>08/06/2021</a:t>
+              <a:t>24/06/2021</a:t>
             </a:fld>
             <a:endParaRPr lang="it-IT"/>
           </a:p>
@@ -2145,7 +2822,7 @@
           <a:p>
             <a:fld id="{E8599015-8B6E-45EB-8D1C-800E116D7968}" type="datetimeFigureOut">
               <a:rPr lang="it-IT" smtClean="0"/>
-              <a:t>08/06/2021</a:t>
+              <a:t>24/06/2021</a:t>
             </a:fld>
             <a:endParaRPr lang="it-IT"/>
           </a:p>
@@ -2456,7 +3133,7 @@
           <a:p>
             <a:fld id="{E8599015-8B6E-45EB-8D1C-800E116D7968}" type="datetimeFigureOut">
               <a:rPr lang="it-IT" smtClean="0"/>
-              <a:t>08/06/2021</a:t>
+              <a:t>24/06/2021</a:t>
             </a:fld>
             <a:endParaRPr lang="it-IT"/>
           </a:p>
@@ -2744,7 +3421,7 @@
           <a:p>
             <a:fld id="{E8599015-8B6E-45EB-8D1C-800E116D7968}" type="datetimeFigureOut">
               <a:rPr lang="it-IT" smtClean="0"/>
-              <a:t>08/06/2021</a:t>
+              <a:t>24/06/2021</a:t>
             </a:fld>
             <a:endParaRPr lang="it-IT"/>
           </a:p>
@@ -2985,7 +3662,7 @@
           <a:p>
             <a:fld id="{E8599015-8B6E-45EB-8D1C-800E116D7968}" type="datetimeFigureOut">
               <a:rPr lang="it-IT" smtClean="0"/>
-              <a:t>08/06/2021</a:t>
+              <a:t>24/06/2021</a:t>
             </a:fld>
             <a:endParaRPr lang="it-IT"/>
           </a:p>
@@ -3457,7 +4134,7 @@
                   </a:schemeClr>
                 </a:solidFill>
               </a:rPr>
-              <a:t>versione HTML pura</a:t>
+              <a:t>versione Java Script </a:t>
             </a:r>
           </a:p>
         </p:txBody>
@@ -3552,7 +4229,7 @@
           <p:cNvPr id="2" name="Titolo 1">
             <a:extLst>
               <a:ext uri="{FF2B5EF4-FFF2-40B4-BE49-F238E27FC236}">
-                <a16:creationId xmlns:a16="http://schemas.microsoft.com/office/drawing/2014/main" id="{73584EC9-6376-4740-82F1-D5BA756B3C05}"/>
+                <a16:creationId xmlns:a16="http://schemas.microsoft.com/office/drawing/2014/main" id="{F1FA8791-F8A3-4689-AE65-6E4292C29EE4}"/>
               </a:ext>
             </a:extLst>
           </p:cNvPr>
@@ -3579,66 +4256,64 @@
                   </a:schemeClr>
                 </a:solidFill>
               </a:rPr>
-              <a:t>Event: create a new </a:t>
-            </a:r>
-            <a:r>
-              <a:rPr lang="it-IT" sz="4000" b="1" dirty="0" err="1">
+              <a:t>Sequence diagrams</a:t>
+            </a:r>
+          </a:p>
+        </p:txBody>
+      </p:sp>
+      <p:sp>
+        <p:nvSpPr>
+          <p:cNvPr id="3" name="Segnaposto contenuto 2">
+            <a:extLst>
+              <a:ext uri="{FF2B5EF4-FFF2-40B4-BE49-F238E27FC236}">
+                <a16:creationId xmlns:a16="http://schemas.microsoft.com/office/drawing/2014/main" id="{D4F9415C-9E9C-48B4-A8B4-DECB55769D79}"/>
+              </a:ext>
+            </a:extLst>
+          </p:cNvPr>
+          <p:cNvSpPr>
+            <a:spLocks noGrp="1"/>
+          </p:cNvSpPr>
+          <p:nvPr>
+            <p:ph idx="1"/>
+          </p:nvPr>
+        </p:nvSpPr>
+        <p:spPr/>
+        <p:txBody>
+          <a:bodyPr/>
+          <a:lstStyle/>
+          <a:p>
+            <a:pPr marL="0" indent="0">
+              <a:buNone/>
+            </a:pPr>
+            <a:r>
+              <a:rPr lang="it-IT" dirty="0">
                 <a:solidFill>
                   <a:schemeClr val="accent1">
                     <a:lumMod val="75000"/>
                   </a:schemeClr>
                 </a:solidFill>
               </a:rPr>
-              <a:t>song</a:t>
-            </a:r>
-            <a:endParaRPr lang="it-IT" sz="4000" b="1" dirty="0">
-              <a:solidFill>
-                <a:schemeClr val="accent1">
-                  <a:lumMod val="75000"/>
-                </a:schemeClr>
-              </a:solidFill>
-            </a:endParaRPr>
-          </a:p>
-        </p:txBody>
-      </p:sp>
-      <p:pic>
-        <p:nvPicPr>
-          <p:cNvPr id="6" name="Segnaposto contenuto 5">
-            <a:extLst>
-              <a:ext uri="{FF2B5EF4-FFF2-40B4-BE49-F238E27FC236}">
-                <a16:creationId xmlns:a16="http://schemas.microsoft.com/office/drawing/2014/main" id="{483E1B36-61A4-4230-A3E2-ABBA6676C4CA}"/>
-              </a:ext>
-            </a:extLst>
-          </p:cNvPr>
-          <p:cNvPicPr>
-            <a:picLocks noGrp="1" noChangeAspect="1"/>
-          </p:cNvPicPr>
-          <p:nvPr>
-            <p:ph idx="1"/>
-          </p:nvPr>
-        </p:nvPicPr>
-        <p:blipFill rotWithShape="1">
-          <a:blip r:embed="rId2">
-            <a:extLst>
-              <a:ext uri="{28A0092B-C50C-407E-A947-70E740481C1C}">
-                <a14:useLocalDpi xmlns:a14="http://schemas.microsoft.com/office/drawing/2010/main" val="0"/>
-              </a:ext>
-            </a:extLst>
-          </a:blip>
-          <a:srcRect b="3925"/>
-          <a:stretch/>
-        </p:blipFill>
-        <p:spPr>
-          <a:xfrm>
-            <a:off x="1639410" y="1369178"/>
-            <a:ext cx="8913180" cy="4951723"/>
-          </a:xfrm>
-        </p:spPr>
-      </p:pic>
+              <a:t>Semplificazioni:</a:t>
+            </a:r>
+          </a:p>
+          <a:p>
+            <a:r>
+              <a:rPr lang="it-IT" dirty="0"/>
+              <a:t>Per semplicità e maggior chiarezza sono stati omessi i controlli sui parametri in ingresso</a:t>
+            </a:r>
+          </a:p>
+          <a:p>
+            <a:r>
+              <a:rPr lang="it-IT" dirty="0"/>
+              <a:t>Ogni richiesta al server successiva al login passa attraverso il filtro ‘LoginChecker’ il quale verifica se la sessione è valida e se l’utente è loggato, ovvero se l’attributo ‘user’ nella request non è null</a:t>
+            </a:r>
+          </a:p>
+        </p:txBody>
+      </p:sp>
     </p:spTree>
     <p:extLst>
       <p:ext uri="{BB962C8B-B14F-4D97-AF65-F5344CB8AC3E}">
-        <p14:creationId xmlns:p14="http://schemas.microsoft.com/office/powerpoint/2010/main" val="1810590124"/>
+        <p14:creationId xmlns:p14="http://schemas.microsoft.com/office/powerpoint/2010/main" val="4293414970"/>
       </p:ext>
     </p:extLst>
   </p:cSld>
@@ -3697,17 +4372,17 @@
                   </a:schemeClr>
                 </a:solidFill>
               </a:rPr>
-              <a:t>Event: create a new playlist</a:t>
+              <a:t>Event: login</a:t>
             </a:r>
           </a:p>
         </p:txBody>
       </p:sp>
       <p:pic>
         <p:nvPicPr>
-          <p:cNvPr id="7" name="Segnaposto contenuto 6">
-            <a:extLst>
-              <a:ext uri="{FF2B5EF4-FFF2-40B4-BE49-F238E27FC236}">
-                <a16:creationId xmlns:a16="http://schemas.microsoft.com/office/drawing/2014/main" id="{3B450004-FA65-4B79-8037-F53C01144B69}"/>
+          <p:cNvPr id="6" name="Segnaposto contenuto 5" descr="Immagine che contiene tavolo&#10;&#10;Descrizione generata automaticamente">
+            <a:extLst>
+              <a:ext uri="{FF2B5EF4-FFF2-40B4-BE49-F238E27FC236}">
+                <a16:creationId xmlns:a16="http://schemas.microsoft.com/office/drawing/2014/main" id="{4F86447C-3AAB-464B-AE06-E0C9F60BFFF9}"/>
               </a:ext>
             </a:extLst>
           </p:cNvPr>
@@ -3732,15 +4407,15 @@
         </p:blipFill>
         <p:spPr>
           <a:xfrm>
-            <a:off x="1220343" y="1325094"/>
-            <a:ext cx="9751314" cy="4757043"/>
+            <a:off x="1621654" y="1486532"/>
+            <a:ext cx="8948691" cy="5119009"/>
           </a:xfrm>
         </p:spPr>
       </p:pic>
     </p:spTree>
     <p:extLst>
       <p:ext uri="{BB962C8B-B14F-4D97-AF65-F5344CB8AC3E}">
-        <p14:creationId xmlns:p14="http://schemas.microsoft.com/office/powerpoint/2010/main" val="4121382712"/>
+        <p14:creationId xmlns:p14="http://schemas.microsoft.com/office/powerpoint/2010/main" val="171097244"/>
       </p:ext>
     </p:extLst>
   </p:cSld>
@@ -3783,12 +4458,7 @@
             <p:ph type="title"/>
           </p:nvPr>
         </p:nvSpPr>
-        <p:spPr>
-          <a:xfrm>
-            <a:off x="838200" y="276349"/>
-            <a:ext cx="10515600" cy="1325563"/>
-          </a:xfrm>
-        </p:spPr>
+        <p:spPr/>
         <p:txBody>
           <a:bodyPr>
             <a:normAutofit/>
@@ -3804,17 +4474,17 @@
                   </a:schemeClr>
                 </a:solidFill>
               </a:rPr>
-              <a:t>Event: go to playlist page</a:t>
+              <a:t>Event: registration</a:t>
             </a:r>
           </a:p>
         </p:txBody>
       </p:sp>
       <p:pic>
         <p:nvPicPr>
-          <p:cNvPr id="11" name="Segnaposto contenuto 10" descr="Immagine che contiene tavolo&#10;&#10;Descrizione generata automaticamente">
-            <a:extLst>
-              <a:ext uri="{FF2B5EF4-FFF2-40B4-BE49-F238E27FC236}">
-                <a16:creationId xmlns:a16="http://schemas.microsoft.com/office/drawing/2014/main" id="{84FC1E35-9534-4DEE-B5DE-D44ECED40629}"/>
+          <p:cNvPr id="7" name="Segnaposto contenuto 6">
+            <a:extLst>
+              <a:ext uri="{FF2B5EF4-FFF2-40B4-BE49-F238E27FC236}">
+                <a16:creationId xmlns:a16="http://schemas.microsoft.com/office/drawing/2014/main" id="{33EA8290-490D-404B-B8E9-68EC0B5A3F2C}"/>
               </a:ext>
             </a:extLst>
           </p:cNvPr>
@@ -3839,15 +4509,15 @@
         </p:blipFill>
         <p:spPr>
           <a:xfrm>
-            <a:off x="2334827" y="1274822"/>
-            <a:ext cx="6977229" cy="5583178"/>
+            <a:off x="2077375" y="1600819"/>
+            <a:ext cx="7862656" cy="4654802"/>
           </a:xfrm>
         </p:spPr>
       </p:pic>
     </p:spTree>
     <p:extLst>
       <p:ext uri="{BB962C8B-B14F-4D97-AF65-F5344CB8AC3E}">
-        <p14:creationId xmlns:p14="http://schemas.microsoft.com/office/powerpoint/2010/main" val="1813492435"/>
+        <p14:creationId xmlns:p14="http://schemas.microsoft.com/office/powerpoint/2010/main" val="3767453814"/>
       </p:ext>
     </p:extLst>
   </p:cSld>
@@ -3890,12 +4560,7 @@
             <p:ph type="title"/>
           </p:nvPr>
         </p:nvSpPr>
-        <p:spPr>
-          <a:xfrm>
-            <a:off x="838200" y="276349"/>
-            <a:ext cx="10515600" cy="1325563"/>
-          </a:xfrm>
-        </p:spPr>
+        <p:spPr/>
         <p:txBody>
           <a:bodyPr>
             <a:normAutofit/>
@@ -3911,17 +4576,17 @@
                   </a:schemeClr>
                 </a:solidFill>
               </a:rPr>
-              <a:t>Event: add songs</a:t>
+              <a:t>Event: get playlist list</a:t>
             </a:r>
           </a:p>
         </p:txBody>
       </p:sp>
       <p:pic>
         <p:nvPicPr>
-          <p:cNvPr id="10" name="Segnaposto contenuto 9">
-            <a:extLst>
-              <a:ext uri="{FF2B5EF4-FFF2-40B4-BE49-F238E27FC236}">
-                <a16:creationId xmlns:a16="http://schemas.microsoft.com/office/drawing/2014/main" id="{EAA0AD4F-0315-4C5D-A12F-EEB23E453141}"/>
+          <p:cNvPr id="6" name="Segnaposto contenuto 5">
+            <a:extLst>
+              <a:ext uri="{FF2B5EF4-FFF2-40B4-BE49-F238E27FC236}">
+                <a16:creationId xmlns:a16="http://schemas.microsoft.com/office/drawing/2014/main" id="{9E7D1BEA-75E7-4BE7-8FD4-B65855E0E387}"/>
               </a:ext>
             </a:extLst>
           </p:cNvPr>
@@ -3946,15 +4611,15 @@
         </p:blipFill>
         <p:spPr>
           <a:xfrm>
-            <a:off x="2494625" y="1280889"/>
-            <a:ext cx="7202750" cy="5300762"/>
+            <a:off x="1206443" y="1690688"/>
+            <a:ext cx="9779114" cy="4732252"/>
           </a:xfrm>
         </p:spPr>
       </p:pic>
     </p:spTree>
     <p:extLst>
       <p:ext uri="{BB962C8B-B14F-4D97-AF65-F5344CB8AC3E}">
-        <p14:creationId xmlns:p14="http://schemas.microsoft.com/office/powerpoint/2010/main" val="1857120930"/>
+        <p14:creationId xmlns:p14="http://schemas.microsoft.com/office/powerpoint/2010/main" val="1656364660"/>
       </p:ext>
     </p:extLst>
   </p:cSld>
@@ -3997,12 +4662,7 @@
             <p:ph type="title"/>
           </p:nvPr>
         </p:nvSpPr>
-        <p:spPr>
-          <a:xfrm>
-            <a:off x="838200" y="276349"/>
-            <a:ext cx="10515600" cy="1325563"/>
-          </a:xfrm>
-        </p:spPr>
+        <p:spPr/>
         <p:txBody>
           <a:bodyPr>
             <a:normAutofit/>
@@ -4018,37 +4678,17 @@
                   </a:schemeClr>
                 </a:solidFill>
               </a:rPr>
-              <a:t>Event: </a:t>
-            </a:r>
-            <a:r>
-              <a:rPr lang="it-IT" sz="4000" b="1" dirty="0" err="1">
-                <a:solidFill>
-                  <a:schemeClr val="accent1">
-                    <a:lumMod val="75000"/>
-                  </a:schemeClr>
-                </a:solidFill>
-              </a:rPr>
-              <a:t>get</a:t>
-            </a:r>
-            <a:r>
-              <a:rPr lang="it-IT" sz="4000" b="1" dirty="0">
-                <a:solidFill>
-                  <a:schemeClr val="accent1">
-                    <a:lumMod val="75000"/>
-                  </a:schemeClr>
-                </a:solidFill>
-              </a:rPr>
-              <a:t> images</a:t>
+              <a:t>Event: create a new song</a:t>
             </a:r>
           </a:p>
         </p:txBody>
       </p:sp>
       <p:pic>
         <p:nvPicPr>
-          <p:cNvPr id="6" name="Segnaposto contenuto 5">
-            <a:extLst>
-              <a:ext uri="{FF2B5EF4-FFF2-40B4-BE49-F238E27FC236}">
-                <a16:creationId xmlns:a16="http://schemas.microsoft.com/office/drawing/2014/main" id="{9974FCBC-63A8-418F-88DF-F9C424D83903}"/>
+          <p:cNvPr id="7" name="Segnaposto contenuto 6" descr="Immagine che contiene tavolo&#10;&#10;Descrizione generata automaticamente">
+            <a:extLst>
+              <a:ext uri="{FF2B5EF4-FFF2-40B4-BE49-F238E27FC236}">
+                <a16:creationId xmlns:a16="http://schemas.microsoft.com/office/drawing/2014/main" id="{E434F583-1731-45E1-998A-3844357FA34B}"/>
               </a:ext>
             </a:extLst>
           </p:cNvPr>
@@ -4073,15 +4713,15 @@
         </p:blipFill>
         <p:spPr>
           <a:xfrm>
-            <a:off x="1677335" y="1501296"/>
-            <a:ext cx="8425453" cy="4091634"/>
+            <a:off x="1981271" y="1332422"/>
+            <a:ext cx="8176190" cy="5494508"/>
           </a:xfrm>
         </p:spPr>
       </p:pic>
     </p:spTree>
     <p:extLst>
       <p:ext uri="{BB962C8B-B14F-4D97-AF65-F5344CB8AC3E}">
-        <p14:creationId xmlns:p14="http://schemas.microsoft.com/office/powerpoint/2010/main" val="1304985474"/>
+        <p14:creationId xmlns:p14="http://schemas.microsoft.com/office/powerpoint/2010/main" val="1810590124"/>
       </p:ext>
     </p:extLst>
   </p:cSld>
@@ -4124,12 +4764,7 @@
             <p:ph type="title"/>
           </p:nvPr>
         </p:nvSpPr>
-        <p:spPr>
-          <a:xfrm>
-            <a:off x="838200" y="276349"/>
-            <a:ext cx="10515600" cy="1325563"/>
-          </a:xfrm>
-        </p:spPr>
+        <p:spPr/>
         <p:txBody>
           <a:bodyPr>
             <a:normAutofit/>
@@ -4145,37 +4780,17 @@
                   </a:schemeClr>
                 </a:solidFill>
               </a:rPr>
-              <a:t>Event: go to </a:t>
-            </a:r>
-            <a:r>
-              <a:rPr lang="it-IT" sz="4000" b="1" dirty="0" err="1">
-                <a:solidFill>
-                  <a:schemeClr val="accent1">
-                    <a:lumMod val="75000"/>
-                  </a:schemeClr>
-                </a:solidFill>
-              </a:rPr>
-              <a:t>song</a:t>
-            </a:r>
-            <a:r>
-              <a:rPr lang="it-IT" sz="4000" b="1" dirty="0">
-                <a:solidFill>
-                  <a:schemeClr val="accent1">
-                    <a:lumMod val="75000"/>
-                  </a:schemeClr>
-                </a:solidFill>
-              </a:rPr>
-              <a:t> page</a:t>
+              <a:t>Event: create a new playlist</a:t>
             </a:r>
           </a:p>
         </p:txBody>
       </p:sp>
       <p:pic>
         <p:nvPicPr>
-          <p:cNvPr id="7" name="Segnaposto contenuto 6" descr="Immagine che contiene tavolo&#10;&#10;Descrizione generata automaticamente">
-            <a:extLst>
-              <a:ext uri="{FF2B5EF4-FFF2-40B4-BE49-F238E27FC236}">
-                <a16:creationId xmlns:a16="http://schemas.microsoft.com/office/drawing/2014/main" id="{5F734164-FB2A-4E51-B2BF-854F6E5C10F5}"/>
+          <p:cNvPr id="6" name="Segnaposto contenuto 5">
+            <a:extLst>
+              <a:ext uri="{FF2B5EF4-FFF2-40B4-BE49-F238E27FC236}">
+                <a16:creationId xmlns:a16="http://schemas.microsoft.com/office/drawing/2014/main" id="{1BE2DBB6-5BFA-40A2-BFEA-583033D9D2FE}"/>
               </a:ext>
             </a:extLst>
           </p:cNvPr>
@@ -4200,15 +4815,15 @@
         </p:blipFill>
         <p:spPr>
           <a:xfrm>
-            <a:off x="1045018" y="1384916"/>
-            <a:ext cx="10101963" cy="4854190"/>
+            <a:off x="1600632" y="1376039"/>
+            <a:ext cx="8990735" cy="5294390"/>
           </a:xfrm>
         </p:spPr>
       </p:pic>
     </p:spTree>
     <p:extLst>
       <p:ext uri="{BB962C8B-B14F-4D97-AF65-F5344CB8AC3E}">
-        <p14:creationId xmlns:p14="http://schemas.microsoft.com/office/powerpoint/2010/main" val="2040451006"/>
+        <p14:creationId xmlns:p14="http://schemas.microsoft.com/office/powerpoint/2010/main" val="4121382712"/>
       </p:ext>
     </p:extLst>
   </p:cSld>
@@ -4272,27 +4887,7 @@
                   </a:schemeClr>
                 </a:solidFill>
               </a:rPr>
-              <a:t>Event: </a:t>
-            </a:r>
-            <a:r>
-              <a:rPr lang="it-IT" sz="4000" b="1" dirty="0" err="1">
-                <a:solidFill>
-                  <a:schemeClr val="accent1">
-                    <a:lumMod val="75000"/>
-                  </a:schemeClr>
-                </a:solidFill>
-              </a:rPr>
-              <a:t>get</a:t>
-            </a:r>
-            <a:r>
-              <a:rPr lang="it-IT" sz="4000" b="1" dirty="0">
-                <a:solidFill>
-                  <a:schemeClr val="accent1">
-                    <a:lumMod val="75000"/>
-                  </a:schemeClr>
-                </a:solidFill>
-              </a:rPr>
-              <a:t> songs</a:t>
+              <a:t>Event: get songs in playlist</a:t>
             </a:r>
           </a:p>
         </p:txBody>
@@ -4302,7 +4897,7 @@
           <p:cNvPr id="6" name="Segnaposto contenuto 5">
             <a:extLst>
               <a:ext uri="{FF2B5EF4-FFF2-40B4-BE49-F238E27FC236}">
-                <a16:creationId xmlns:a16="http://schemas.microsoft.com/office/drawing/2014/main" id="{0155C1A6-A2A7-4383-BE18-71D98318E53E}"/>
+                <a16:creationId xmlns:a16="http://schemas.microsoft.com/office/drawing/2014/main" id="{B31E0CD1-30BB-4DC9-8676-E02532251FFF}"/>
               </a:ext>
             </a:extLst>
           </p:cNvPr>
@@ -4327,15 +4922,15 @@
         </p:blipFill>
         <p:spPr>
           <a:xfrm>
-            <a:off x="1836351" y="1500327"/>
-            <a:ext cx="8235211" cy="4029730"/>
+            <a:off x="2698671" y="1207540"/>
+            <a:ext cx="6794657" cy="5650460"/>
           </a:xfrm>
         </p:spPr>
       </p:pic>
     </p:spTree>
     <p:extLst>
       <p:ext uri="{BB962C8B-B14F-4D97-AF65-F5344CB8AC3E}">
-        <p14:creationId xmlns:p14="http://schemas.microsoft.com/office/powerpoint/2010/main" val="3157827396"/>
+        <p14:creationId xmlns:p14="http://schemas.microsoft.com/office/powerpoint/2010/main" val="1813492435"/>
       </p:ext>
     </p:extLst>
   </p:cSld>
@@ -4399,7 +4994,7 @@
                   </a:schemeClr>
                 </a:solidFill>
               </a:rPr>
-              <a:t>Event: logout</a:t>
+              <a:t>Event: get songs not in playlist</a:t>
             </a:r>
           </a:p>
         </p:txBody>
@@ -4409,7 +5004,7 @@
           <p:cNvPr id="7" name="Segnaposto contenuto 6">
             <a:extLst>
               <a:ext uri="{FF2B5EF4-FFF2-40B4-BE49-F238E27FC236}">
-                <a16:creationId xmlns:a16="http://schemas.microsoft.com/office/drawing/2014/main" id="{5E5C4C98-C055-4CD2-8BF6-C59EF0600B3E}"/>
+                <a16:creationId xmlns:a16="http://schemas.microsoft.com/office/drawing/2014/main" id="{E8063FAD-78EB-4D7B-99FE-E4AB91EF1600}"/>
               </a:ext>
             </a:extLst>
           </p:cNvPr>
@@ -4434,15 +5029,229 @@
         </p:blipFill>
         <p:spPr>
           <a:xfrm>
-            <a:off x="2051602" y="1464928"/>
-            <a:ext cx="8088795" cy="3928144"/>
+            <a:off x="1418589" y="1393794"/>
+            <a:ext cx="9354821" cy="4597161"/>
           </a:xfrm>
         </p:spPr>
       </p:pic>
     </p:spTree>
     <p:extLst>
       <p:ext uri="{BB962C8B-B14F-4D97-AF65-F5344CB8AC3E}">
-        <p14:creationId xmlns:p14="http://schemas.microsoft.com/office/powerpoint/2010/main" val="1503668554"/>
+        <p14:creationId xmlns:p14="http://schemas.microsoft.com/office/powerpoint/2010/main" val="1985422606"/>
+      </p:ext>
+    </p:extLst>
+  </p:cSld>
+  <p:clrMapOvr>
+    <a:masterClrMapping/>
+  </p:clrMapOvr>
+</p:sld>
+</file>
+
+<file path=ppt/slides/slide18.xml><?xml version="1.0" encoding="utf-8"?>
+<p:sld xmlns:a="http://schemas.openxmlformats.org/drawingml/2006/main" xmlns:r="http://schemas.openxmlformats.org/officeDocument/2006/relationships" xmlns:p="http://schemas.openxmlformats.org/presentationml/2006/main">
+  <p:cSld>
+    <p:spTree>
+      <p:nvGrpSpPr>
+        <p:cNvPr id="1" name=""/>
+        <p:cNvGrpSpPr/>
+        <p:nvPr/>
+      </p:nvGrpSpPr>
+      <p:grpSpPr>
+        <a:xfrm>
+          <a:off x="0" y="0"/>
+          <a:ext cx="0" cy="0"/>
+          <a:chOff x="0" y="0"/>
+          <a:chExt cx="0" cy="0"/>
+        </a:xfrm>
+      </p:grpSpPr>
+      <p:sp>
+        <p:nvSpPr>
+          <p:cNvPr id="2" name="Titolo 1">
+            <a:extLst>
+              <a:ext uri="{FF2B5EF4-FFF2-40B4-BE49-F238E27FC236}">
+                <a16:creationId xmlns:a16="http://schemas.microsoft.com/office/drawing/2014/main" id="{73584EC9-6376-4740-82F1-D5BA756B3C05}"/>
+              </a:ext>
+            </a:extLst>
+          </p:cNvPr>
+          <p:cNvSpPr>
+            <a:spLocks noGrp="1"/>
+          </p:cNvSpPr>
+          <p:nvPr>
+            <p:ph type="title"/>
+          </p:nvPr>
+        </p:nvSpPr>
+        <p:spPr>
+          <a:xfrm>
+            <a:off x="838200" y="276349"/>
+            <a:ext cx="10515600" cy="1325563"/>
+          </a:xfrm>
+        </p:spPr>
+        <p:txBody>
+          <a:bodyPr>
+            <a:normAutofit/>
+          </a:bodyPr>
+          <a:lstStyle/>
+          <a:p>
+            <a:pPr algn="ctr"/>
+            <a:r>
+              <a:rPr lang="it-IT" sz="4000" b="1" dirty="0">
+                <a:solidFill>
+                  <a:schemeClr val="accent1">
+                    <a:lumMod val="75000"/>
+                  </a:schemeClr>
+                </a:solidFill>
+              </a:rPr>
+              <a:t>Event: add songs</a:t>
+            </a:r>
+          </a:p>
+        </p:txBody>
+      </p:sp>
+      <p:pic>
+        <p:nvPicPr>
+          <p:cNvPr id="6" name="Segnaposto contenuto 5" descr="Immagine che contiene tavolo&#10;&#10;Descrizione generata automaticamente">
+            <a:extLst>
+              <a:ext uri="{FF2B5EF4-FFF2-40B4-BE49-F238E27FC236}">
+                <a16:creationId xmlns:a16="http://schemas.microsoft.com/office/drawing/2014/main" id="{91069921-63A1-4FDC-A35B-2D1AD197098B}"/>
+              </a:ext>
+            </a:extLst>
+          </p:cNvPr>
+          <p:cNvPicPr>
+            <a:picLocks noGrp="1" noChangeAspect="1"/>
+          </p:cNvPicPr>
+          <p:nvPr>
+            <p:ph idx="1"/>
+          </p:nvPr>
+        </p:nvPicPr>
+        <p:blipFill>
+          <a:blip r:embed="rId2">
+            <a:extLst>
+              <a:ext uri="{28A0092B-C50C-407E-A947-70E740481C1C}">
+                <a14:useLocalDpi xmlns:a14="http://schemas.microsoft.com/office/drawing/2010/main" val="0"/>
+              </a:ext>
+            </a:extLst>
+          </a:blip>
+          <a:stretch>
+            <a:fillRect/>
+          </a:stretch>
+        </p:blipFill>
+        <p:spPr>
+          <a:xfrm>
+            <a:off x="2495198" y="1273914"/>
+            <a:ext cx="7201603" cy="5488975"/>
+          </a:xfrm>
+        </p:spPr>
+      </p:pic>
+    </p:spTree>
+    <p:extLst>
+      <p:ext uri="{BB962C8B-B14F-4D97-AF65-F5344CB8AC3E}">
+        <p14:creationId xmlns:p14="http://schemas.microsoft.com/office/powerpoint/2010/main" val="1857120930"/>
+      </p:ext>
+    </p:extLst>
+  </p:cSld>
+  <p:clrMapOvr>
+    <a:masterClrMapping/>
+  </p:clrMapOvr>
+</p:sld>
+</file>
+
+<file path=ppt/slides/slide19.xml><?xml version="1.0" encoding="utf-8"?>
+<p:sld xmlns:a="http://schemas.openxmlformats.org/drawingml/2006/main" xmlns:r="http://schemas.openxmlformats.org/officeDocument/2006/relationships" xmlns:p="http://schemas.openxmlformats.org/presentationml/2006/main">
+  <p:cSld>
+    <p:spTree>
+      <p:nvGrpSpPr>
+        <p:cNvPr id="1" name=""/>
+        <p:cNvGrpSpPr/>
+        <p:nvPr/>
+      </p:nvGrpSpPr>
+      <p:grpSpPr>
+        <a:xfrm>
+          <a:off x="0" y="0"/>
+          <a:ext cx="0" cy="0"/>
+          <a:chOff x="0" y="0"/>
+          <a:chExt cx="0" cy="0"/>
+        </a:xfrm>
+      </p:grpSpPr>
+      <p:sp>
+        <p:nvSpPr>
+          <p:cNvPr id="2" name="Titolo 1">
+            <a:extLst>
+              <a:ext uri="{FF2B5EF4-FFF2-40B4-BE49-F238E27FC236}">
+                <a16:creationId xmlns:a16="http://schemas.microsoft.com/office/drawing/2014/main" id="{73584EC9-6376-4740-82F1-D5BA756B3C05}"/>
+              </a:ext>
+            </a:extLst>
+          </p:cNvPr>
+          <p:cNvSpPr>
+            <a:spLocks noGrp="1"/>
+          </p:cNvSpPr>
+          <p:nvPr>
+            <p:ph type="title"/>
+          </p:nvPr>
+        </p:nvSpPr>
+        <p:spPr>
+          <a:xfrm>
+            <a:off x="838200" y="196450"/>
+            <a:ext cx="10515600" cy="1325563"/>
+          </a:xfrm>
+        </p:spPr>
+        <p:txBody>
+          <a:bodyPr>
+            <a:normAutofit/>
+          </a:bodyPr>
+          <a:lstStyle/>
+          <a:p>
+            <a:pPr algn="ctr"/>
+            <a:r>
+              <a:rPr lang="it-IT" sz="4000" b="1" dirty="0">
+                <a:solidFill>
+                  <a:schemeClr val="accent1">
+                    <a:lumMod val="75000"/>
+                  </a:schemeClr>
+                </a:solidFill>
+              </a:rPr>
+              <a:t>Event: add sorting to a playlist</a:t>
+            </a:r>
+          </a:p>
+        </p:txBody>
+      </p:sp>
+      <p:pic>
+        <p:nvPicPr>
+          <p:cNvPr id="7" name="Segnaposto contenuto 6">
+            <a:extLst>
+              <a:ext uri="{FF2B5EF4-FFF2-40B4-BE49-F238E27FC236}">
+                <a16:creationId xmlns:a16="http://schemas.microsoft.com/office/drawing/2014/main" id="{C546620D-5778-4055-A08C-8D198051338F}"/>
+              </a:ext>
+            </a:extLst>
+          </p:cNvPr>
+          <p:cNvPicPr>
+            <a:picLocks noGrp="1" noChangeAspect="1"/>
+          </p:cNvPicPr>
+          <p:nvPr>
+            <p:ph idx="1"/>
+          </p:nvPr>
+        </p:nvPicPr>
+        <p:blipFill>
+          <a:blip r:embed="rId2">
+            <a:extLst>
+              <a:ext uri="{28A0092B-C50C-407E-A947-70E740481C1C}">
+                <a14:useLocalDpi xmlns:a14="http://schemas.microsoft.com/office/drawing/2010/main" val="0"/>
+              </a:ext>
+            </a:extLst>
+          </a:blip>
+          <a:stretch>
+            <a:fillRect/>
+          </a:stretch>
+        </p:blipFill>
+        <p:spPr>
+          <a:xfrm>
+            <a:off x="2132804" y="1079318"/>
+            <a:ext cx="7926391" cy="5778682"/>
+          </a:xfrm>
+        </p:spPr>
+      </p:pic>
+    </p:spTree>
+    <p:extLst>
+      <p:ext uri="{BB962C8B-B14F-4D97-AF65-F5344CB8AC3E}">
+        <p14:creationId xmlns:p14="http://schemas.microsoft.com/office/powerpoint/2010/main" val="4075269432"/>
       </p:ext>
     </p:extLst>
   </p:cSld>
@@ -4513,10 +5322,10 @@
       </p:sp>
       <p:pic>
         <p:nvPicPr>
-          <p:cNvPr id="5" name="Segnaposto contenuto 4">
-            <a:extLst>
-              <a:ext uri="{FF2B5EF4-FFF2-40B4-BE49-F238E27FC236}">
-                <a16:creationId xmlns:a16="http://schemas.microsoft.com/office/drawing/2014/main" id="{775D1AE5-8C1E-4C60-B36B-AD2D47BAF69F}"/>
+          <p:cNvPr id="7" name="Segnaposto contenuto 6">
+            <a:extLst>
+              <a:ext uri="{FF2B5EF4-FFF2-40B4-BE49-F238E27FC236}">
+                <a16:creationId xmlns:a16="http://schemas.microsoft.com/office/drawing/2014/main" id="{CD2E658B-671C-41F3-8D83-34D61B965F70}"/>
               </a:ext>
             </a:extLst>
           </p:cNvPr>
@@ -4541,8 +5350,8 @@
         </p:blipFill>
         <p:spPr>
           <a:xfrm>
-            <a:off x="1880641" y="1571294"/>
-            <a:ext cx="8923483" cy="4605669"/>
+            <a:off x="1763314" y="1571348"/>
+            <a:ext cx="8665371" cy="4472450"/>
           </a:xfrm>
         </p:spPr>
       </p:pic>
@@ -4550,6 +5359,220 @@
     <p:extLst>
       <p:ext uri="{BB962C8B-B14F-4D97-AF65-F5344CB8AC3E}">
         <p14:creationId xmlns:p14="http://schemas.microsoft.com/office/powerpoint/2010/main" val="268391195"/>
+      </p:ext>
+    </p:extLst>
+  </p:cSld>
+  <p:clrMapOvr>
+    <a:masterClrMapping/>
+  </p:clrMapOvr>
+</p:sld>
+</file>
+
+<file path=ppt/slides/slide20.xml><?xml version="1.0" encoding="utf-8"?>
+<p:sld xmlns:a="http://schemas.openxmlformats.org/drawingml/2006/main" xmlns:r="http://schemas.openxmlformats.org/officeDocument/2006/relationships" xmlns:p="http://schemas.openxmlformats.org/presentationml/2006/main">
+  <p:cSld>
+    <p:spTree>
+      <p:nvGrpSpPr>
+        <p:cNvPr id="1" name=""/>
+        <p:cNvGrpSpPr/>
+        <p:nvPr/>
+      </p:nvGrpSpPr>
+      <p:grpSpPr>
+        <a:xfrm>
+          <a:off x="0" y="0"/>
+          <a:ext cx="0" cy="0"/>
+          <a:chOff x="0" y="0"/>
+          <a:chExt cx="0" cy="0"/>
+        </a:xfrm>
+      </p:grpSpPr>
+      <p:sp>
+        <p:nvSpPr>
+          <p:cNvPr id="2" name="Titolo 1">
+            <a:extLst>
+              <a:ext uri="{FF2B5EF4-FFF2-40B4-BE49-F238E27FC236}">
+                <a16:creationId xmlns:a16="http://schemas.microsoft.com/office/drawing/2014/main" id="{73584EC9-6376-4740-82F1-D5BA756B3C05}"/>
+              </a:ext>
+            </a:extLst>
+          </p:cNvPr>
+          <p:cNvSpPr>
+            <a:spLocks noGrp="1"/>
+          </p:cNvSpPr>
+          <p:nvPr>
+            <p:ph type="title"/>
+          </p:nvPr>
+        </p:nvSpPr>
+        <p:spPr>
+          <a:xfrm>
+            <a:off x="838200" y="276349"/>
+            <a:ext cx="10515600" cy="1325563"/>
+          </a:xfrm>
+        </p:spPr>
+        <p:txBody>
+          <a:bodyPr>
+            <a:normAutofit/>
+          </a:bodyPr>
+          <a:lstStyle/>
+          <a:p>
+            <a:pPr algn="ctr"/>
+            <a:r>
+              <a:rPr lang="it-IT" sz="4000" b="1" dirty="0">
+                <a:solidFill>
+                  <a:schemeClr val="accent1">
+                    <a:lumMod val="75000"/>
+                  </a:schemeClr>
+                </a:solidFill>
+              </a:rPr>
+              <a:t>Event: get song details</a:t>
+            </a:r>
+          </a:p>
+        </p:txBody>
+      </p:sp>
+      <p:pic>
+        <p:nvPicPr>
+          <p:cNvPr id="6" name="Segnaposto contenuto 5">
+            <a:extLst>
+              <a:ext uri="{FF2B5EF4-FFF2-40B4-BE49-F238E27FC236}">
+                <a16:creationId xmlns:a16="http://schemas.microsoft.com/office/drawing/2014/main" id="{5EDD9F19-72BD-4E3B-90F6-0360CA103CA0}"/>
+              </a:ext>
+            </a:extLst>
+          </p:cNvPr>
+          <p:cNvPicPr>
+            <a:picLocks noGrp="1" noChangeAspect="1"/>
+          </p:cNvPicPr>
+          <p:nvPr>
+            <p:ph idx="1"/>
+          </p:nvPr>
+        </p:nvPicPr>
+        <p:blipFill>
+          <a:blip r:embed="rId2">
+            <a:extLst>
+              <a:ext uri="{28A0092B-C50C-407E-A947-70E740481C1C}">
+                <a14:useLocalDpi xmlns:a14="http://schemas.microsoft.com/office/drawing/2010/main" val="0"/>
+              </a:ext>
+            </a:extLst>
+          </a:blip>
+          <a:stretch>
+            <a:fillRect/>
+          </a:stretch>
+        </p:blipFill>
+        <p:spPr>
+          <a:xfrm>
+            <a:off x="1343713" y="1559743"/>
+            <a:ext cx="8566634" cy="4261519"/>
+          </a:xfrm>
+        </p:spPr>
+      </p:pic>
+    </p:spTree>
+    <p:extLst>
+      <p:ext uri="{BB962C8B-B14F-4D97-AF65-F5344CB8AC3E}">
+        <p14:creationId xmlns:p14="http://schemas.microsoft.com/office/powerpoint/2010/main" val="2040451006"/>
+      </p:ext>
+    </p:extLst>
+  </p:cSld>
+  <p:clrMapOvr>
+    <a:masterClrMapping/>
+  </p:clrMapOvr>
+</p:sld>
+</file>
+
+<file path=ppt/slides/slide21.xml><?xml version="1.0" encoding="utf-8"?>
+<p:sld xmlns:a="http://schemas.openxmlformats.org/drawingml/2006/main" xmlns:r="http://schemas.openxmlformats.org/officeDocument/2006/relationships" xmlns:p="http://schemas.openxmlformats.org/presentationml/2006/main">
+  <p:cSld>
+    <p:spTree>
+      <p:nvGrpSpPr>
+        <p:cNvPr id="1" name=""/>
+        <p:cNvGrpSpPr/>
+        <p:nvPr/>
+      </p:nvGrpSpPr>
+      <p:grpSpPr>
+        <a:xfrm>
+          <a:off x="0" y="0"/>
+          <a:ext cx="0" cy="0"/>
+          <a:chOff x="0" y="0"/>
+          <a:chExt cx="0" cy="0"/>
+        </a:xfrm>
+      </p:grpSpPr>
+      <p:sp>
+        <p:nvSpPr>
+          <p:cNvPr id="2" name="Titolo 1">
+            <a:extLst>
+              <a:ext uri="{FF2B5EF4-FFF2-40B4-BE49-F238E27FC236}">
+                <a16:creationId xmlns:a16="http://schemas.microsoft.com/office/drawing/2014/main" id="{73584EC9-6376-4740-82F1-D5BA756B3C05}"/>
+              </a:ext>
+            </a:extLst>
+          </p:cNvPr>
+          <p:cNvSpPr>
+            <a:spLocks noGrp="1"/>
+          </p:cNvSpPr>
+          <p:nvPr>
+            <p:ph type="title"/>
+          </p:nvPr>
+        </p:nvSpPr>
+        <p:spPr>
+          <a:xfrm>
+            <a:off x="838200" y="276349"/>
+            <a:ext cx="10515600" cy="1325563"/>
+          </a:xfrm>
+        </p:spPr>
+        <p:txBody>
+          <a:bodyPr>
+            <a:normAutofit/>
+          </a:bodyPr>
+          <a:lstStyle/>
+          <a:p>
+            <a:pPr algn="ctr"/>
+            <a:r>
+              <a:rPr lang="it-IT" sz="4000" b="1" dirty="0">
+                <a:solidFill>
+                  <a:schemeClr val="accent1">
+                    <a:lumMod val="75000"/>
+                  </a:schemeClr>
+                </a:solidFill>
+              </a:rPr>
+              <a:t>Event: logout</a:t>
+            </a:r>
+          </a:p>
+        </p:txBody>
+      </p:sp>
+      <p:pic>
+        <p:nvPicPr>
+          <p:cNvPr id="6" name="Segnaposto contenuto 5">
+            <a:extLst>
+              <a:ext uri="{FF2B5EF4-FFF2-40B4-BE49-F238E27FC236}">
+                <a16:creationId xmlns:a16="http://schemas.microsoft.com/office/drawing/2014/main" id="{256963C5-B1FA-4DA1-AE3A-5009B4ECB871}"/>
+              </a:ext>
+            </a:extLst>
+          </p:cNvPr>
+          <p:cNvPicPr>
+            <a:picLocks noGrp="1" noChangeAspect="1"/>
+          </p:cNvPicPr>
+          <p:nvPr>
+            <p:ph idx="1"/>
+          </p:nvPr>
+        </p:nvPicPr>
+        <p:blipFill>
+          <a:blip r:embed="rId2">
+            <a:extLst>
+              <a:ext uri="{28A0092B-C50C-407E-A947-70E740481C1C}">
+                <a14:useLocalDpi xmlns:a14="http://schemas.microsoft.com/office/drawing/2010/main" val="0"/>
+              </a:ext>
+            </a:extLst>
+          </a:blip>
+          <a:stretch>
+            <a:fillRect/>
+          </a:stretch>
+        </p:blipFill>
+        <p:spPr>
+          <a:xfrm>
+            <a:off x="1600176" y="1601912"/>
+            <a:ext cx="8991647" cy="4366594"/>
+          </a:xfrm>
+        </p:spPr>
+      </p:pic>
+    </p:spTree>
+    <p:extLst>
+      <p:ext uri="{BB962C8B-B14F-4D97-AF65-F5344CB8AC3E}">
+        <p14:creationId xmlns:p14="http://schemas.microsoft.com/office/powerpoint/2010/main" val="1503668554"/>
       </p:ext>
     </p:extLst>
   </p:cSld>
@@ -4684,7 +5707,7 @@
             </a:r>
             <a:r>
               <a:rPr lang="it-IT" sz="2000" dirty="0"/>
-              <a:t> , Title , CreationDate , IdUserName)</a:t>
+              <a:t> , Title , CreationDate , IdUserName , Sorting)</a:t>
             </a:r>
           </a:p>
           <a:p>
@@ -4843,7 +5866,7 @@
           <p:cNvPr id="2" name="Titolo 1">
             <a:extLst>
               <a:ext uri="{FF2B5EF4-FFF2-40B4-BE49-F238E27FC236}">
-                <a16:creationId xmlns:a16="http://schemas.microsoft.com/office/drawing/2014/main" id="{B932C116-5AA9-460E-9D4F-4A3DF4EC43B1}"/>
+                <a16:creationId xmlns:a16="http://schemas.microsoft.com/office/drawing/2014/main" id="{13312F49-A7CC-45E7-8EEA-E6A969CBDE80}"/>
               </a:ext>
             </a:extLst>
           </p:cNvPr>
@@ -4870,49 +5893,415 @@
                   </a:schemeClr>
                 </a:solidFill>
               </a:rPr>
-              <a:t>Application Design(IFML)</a:t>
-            </a:r>
-          </a:p>
-        </p:txBody>
-      </p:sp>
-      <p:pic>
-        <p:nvPicPr>
-          <p:cNvPr id="5" name="Segnaposto contenuto 4">
-            <a:extLst>
-              <a:ext uri="{FF2B5EF4-FFF2-40B4-BE49-F238E27FC236}">
-                <a16:creationId xmlns:a16="http://schemas.microsoft.com/office/drawing/2014/main" id="{3AFD1FA0-A5C1-4DAF-8809-DCF549BD802F}"/>
-              </a:ext>
-            </a:extLst>
-          </p:cNvPr>
-          <p:cNvPicPr>
-            <a:picLocks noGrp="1" noChangeAspect="1"/>
-          </p:cNvPicPr>
+              <a:t>Table definition: user/playlist</a:t>
+            </a:r>
+          </a:p>
+        </p:txBody>
+      </p:sp>
+      <p:sp>
+        <p:nvSpPr>
+          <p:cNvPr id="3" name="Segnaposto contenuto 2">
+            <a:extLst>
+              <a:ext uri="{FF2B5EF4-FFF2-40B4-BE49-F238E27FC236}">
+                <a16:creationId xmlns:a16="http://schemas.microsoft.com/office/drawing/2014/main" id="{B0933921-49B2-4173-B5BC-BA4E948C86B3}"/>
+              </a:ext>
+            </a:extLst>
+          </p:cNvPr>
+          <p:cNvSpPr>
+            <a:spLocks noGrp="1"/>
+          </p:cNvSpPr>
           <p:nvPr>
             <p:ph idx="1"/>
           </p:nvPr>
-        </p:nvPicPr>
-        <p:blipFill rotWithShape="1">
-          <a:blip r:embed="rId2">
-            <a:extLst>
-              <a:ext uri="{28A0092B-C50C-407E-A947-70E740481C1C}">
-                <a14:useLocalDpi xmlns:a14="http://schemas.microsoft.com/office/drawing/2010/main" val="0"/>
-              </a:ext>
-            </a:extLst>
-          </a:blip>
-          <a:srcRect r="3012" b="17042"/>
-          <a:stretch/>
-        </p:blipFill>
+        </p:nvSpPr>
         <p:spPr>
           <a:xfrm>
-            <a:off x="663716" y="843379"/>
-            <a:ext cx="10813260" cy="5202314"/>
+            <a:off x="838200" y="1340528"/>
+            <a:ext cx="5257800" cy="4836435"/>
           </a:xfrm>
         </p:spPr>
-      </p:pic>
+        <p:txBody>
+          <a:bodyPr/>
+          <a:lstStyle/>
+          <a:p>
+            <a:pPr marL="0" indent="0">
+              <a:buNone/>
+            </a:pPr>
+            <a:endParaRPr lang="it-IT" sz="2000" dirty="0"/>
+          </a:p>
+          <a:p>
+            <a:pPr marL="0" indent="0">
+              <a:buNone/>
+            </a:pPr>
+            <a:r>
+              <a:rPr lang="en-US" sz="2000" dirty="0"/>
+              <a:t>CREATE TABLE `user` (  </a:t>
+            </a:r>
+          </a:p>
+          <a:p>
+            <a:pPr marL="0" indent="0">
+              <a:buNone/>
+            </a:pPr>
+            <a:r>
+              <a:rPr lang="en-US" sz="2000" dirty="0"/>
+              <a:t>     `Id` int NOT NULL AUTO_INCREMENT, </a:t>
+            </a:r>
+          </a:p>
+          <a:p>
+            <a:pPr marL="0" indent="0">
+              <a:buNone/>
+            </a:pPr>
+            <a:r>
+              <a:rPr lang="en-US" sz="2000" dirty="0"/>
+              <a:t>     `UserName` varchar(45) NOT NULL,  </a:t>
+            </a:r>
+          </a:p>
+          <a:p>
+            <a:pPr marL="0" indent="0">
+              <a:buNone/>
+            </a:pPr>
+            <a:r>
+              <a:rPr lang="en-US" sz="2000" dirty="0"/>
+              <a:t>     `Password` varchar(45) NOT NULL,  	PRIMARY KEY (`Id`)</a:t>
+            </a:r>
+          </a:p>
+          <a:p>
+            <a:pPr marL="0" indent="0">
+              <a:buNone/>
+            </a:pPr>
+            <a:r>
+              <a:rPr lang="en-US" sz="2000" dirty="0"/>
+              <a:t>)</a:t>
+            </a:r>
+            <a:endParaRPr lang="it-IT" sz="2000" dirty="0"/>
+          </a:p>
+        </p:txBody>
+      </p:sp>
+      <p:sp>
+        <p:nvSpPr>
+          <p:cNvPr id="4" name="Segnaposto contenuto 2">
+            <a:extLst>
+              <a:ext uri="{FF2B5EF4-FFF2-40B4-BE49-F238E27FC236}">
+                <a16:creationId xmlns:a16="http://schemas.microsoft.com/office/drawing/2014/main" id="{8999E375-18DD-4A9C-9690-C733885C3AD3}"/>
+              </a:ext>
+            </a:extLst>
+          </p:cNvPr>
+          <p:cNvSpPr txBox="1">
+            <a:spLocks/>
+          </p:cNvSpPr>
+          <p:nvPr/>
+        </p:nvSpPr>
+        <p:spPr>
+          <a:xfrm>
+            <a:off x="6228426" y="1340527"/>
+            <a:ext cx="5257800" cy="4836435"/>
+          </a:xfrm>
+          <a:prstGeom prst="rect">
+            <a:avLst/>
+          </a:prstGeom>
+        </p:spPr>
+        <p:txBody>
+          <a:bodyPr vert="horz" lIns="91440" tIns="45720" rIns="91440" bIns="45720" rtlCol="0">
+            <a:normAutofit lnSpcReduction="10000"/>
+          </a:bodyPr>
+          <a:lstStyle>
+            <a:lvl1pPr marL="228600" indent="-228600" algn="l" defTabSz="914400" rtl="0" eaLnBrk="1" latinLnBrk="0" hangingPunct="1">
+              <a:lnSpc>
+                <a:spcPct val="90000"/>
+              </a:lnSpc>
+              <a:spcBef>
+                <a:spcPts val="1000"/>
+              </a:spcBef>
+              <a:buFont typeface="Arial" panose="020B0604020202020204" pitchFamily="34" charset="0"/>
+              <a:buChar char="•"/>
+              <a:defRPr sz="2800" kern="1200">
+                <a:solidFill>
+                  <a:schemeClr val="tx1"/>
+                </a:solidFill>
+                <a:latin typeface="+mn-lt"/>
+                <a:ea typeface="+mn-ea"/>
+                <a:cs typeface="+mn-cs"/>
+              </a:defRPr>
+            </a:lvl1pPr>
+            <a:lvl2pPr marL="685800" indent="-228600" algn="l" defTabSz="914400" rtl="0" eaLnBrk="1" latinLnBrk="0" hangingPunct="1">
+              <a:lnSpc>
+                <a:spcPct val="90000"/>
+              </a:lnSpc>
+              <a:spcBef>
+                <a:spcPts val="500"/>
+              </a:spcBef>
+              <a:buFont typeface="Arial" panose="020B0604020202020204" pitchFamily="34" charset="0"/>
+              <a:buChar char="•"/>
+              <a:defRPr sz="2400" kern="1200">
+                <a:solidFill>
+                  <a:schemeClr val="tx1"/>
+                </a:solidFill>
+                <a:latin typeface="+mn-lt"/>
+                <a:ea typeface="+mn-ea"/>
+                <a:cs typeface="+mn-cs"/>
+              </a:defRPr>
+            </a:lvl2pPr>
+            <a:lvl3pPr marL="1143000" indent="-228600" algn="l" defTabSz="914400" rtl="0" eaLnBrk="1" latinLnBrk="0" hangingPunct="1">
+              <a:lnSpc>
+                <a:spcPct val="90000"/>
+              </a:lnSpc>
+              <a:spcBef>
+                <a:spcPts val="500"/>
+              </a:spcBef>
+              <a:buFont typeface="Arial" panose="020B0604020202020204" pitchFamily="34" charset="0"/>
+              <a:buChar char="•"/>
+              <a:defRPr sz="2000" kern="1200">
+                <a:solidFill>
+                  <a:schemeClr val="tx1"/>
+                </a:solidFill>
+                <a:latin typeface="+mn-lt"/>
+                <a:ea typeface="+mn-ea"/>
+                <a:cs typeface="+mn-cs"/>
+              </a:defRPr>
+            </a:lvl3pPr>
+            <a:lvl4pPr marL="1600200" indent="-228600" algn="l" defTabSz="914400" rtl="0" eaLnBrk="1" latinLnBrk="0" hangingPunct="1">
+              <a:lnSpc>
+                <a:spcPct val="90000"/>
+              </a:lnSpc>
+              <a:spcBef>
+                <a:spcPts val="500"/>
+              </a:spcBef>
+              <a:buFont typeface="Arial" panose="020B0604020202020204" pitchFamily="34" charset="0"/>
+              <a:buChar char="•"/>
+              <a:defRPr sz="1800" kern="1200">
+                <a:solidFill>
+                  <a:schemeClr val="tx1"/>
+                </a:solidFill>
+                <a:latin typeface="+mn-lt"/>
+                <a:ea typeface="+mn-ea"/>
+                <a:cs typeface="+mn-cs"/>
+              </a:defRPr>
+            </a:lvl4pPr>
+            <a:lvl5pPr marL="2057400" indent="-228600" algn="l" defTabSz="914400" rtl="0" eaLnBrk="1" latinLnBrk="0" hangingPunct="1">
+              <a:lnSpc>
+                <a:spcPct val="90000"/>
+              </a:lnSpc>
+              <a:spcBef>
+                <a:spcPts val="500"/>
+              </a:spcBef>
+              <a:buFont typeface="Arial" panose="020B0604020202020204" pitchFamily="34" charset="0"/>
+              <a:buChar char="•"/>
+              <a:defRPr sz="1800" kern="1200">
+                <a:solidFill>
+                  <a:schemeClr val="tx1"/>
+                </a:solidFill>
+                <a:latin typeface="+mn-lt"/>
+                <a:ea typeface="+mn-ea"/>
+                <a:cs typeface="+mn-cs"/>
+              </a:defRPr>
+            </a:lvl5pPr>
+            <a:lvl6pPr marL="2514600" indent="-228600" algn="l" defTabSz="914400" rtl="0" eaLnBrk="1" latinLnBrk="0" hangingPunct="1">
+              <a:lnSpc>
+                <a:spcPct val="90000"/>
+              </a:lnSpc>
+              <a:spcBef>
+                <a:spcPts val="500"/>
+              </a:spcBef>
+              <a:buFont typeface="Arial" panose="020B0604020202020204" pitchFamily="34" charset="0"/>
+              <a:buChar char="•"/>
+              <a:defRPr sz="1800" kern="1200">
+                <a:solidFill>
+                  <a:schemeClr val="tx1"/>
+                </a:solidFill>
+                <a:latin typeface="+mn-lt"/>
+                <a:ea typeface="+mn-ea"/>
+                <a:cs typeface="+mn-cs"/>
+              </a:defRPr>
+            </a:lvl6pPr>
+            <a:lvl7pPr marL="2971800" indent="-228600" algn="l" defTabSz="914400" rtl="0" eaLnBrk="1" latinLnBrk="0" hangingPunct="1">
+              <a:lnSpc>
+                <a:spcPct val="90000"/>
+              </a:lnSpc>
+              <a:spcBef>
+                <a:spcPts val="500"/>
+              </a:spcBef>
+              <a:buFont typeface="Arial" panose="020B0604020202020204" pitchFamily="34" charset="0"/>
+              <a:buChar char="•"/>
+              <a:defRPr sz="1800" kern="1200">
+                <a:solidFill>
+                  <a:schemeClr val="tx1"/>
+                </a:solidFill>
+                <a:latin typeface="+mn-lt"/>
+                <a:ea typeface="+mn-ea"/>
+                <a:cs typeface="+mn-cs"/>
+              </a:defRPr>
+            </a:lvl7pPr>
+            <a:lvl8pPr marL="3429000" indent="-228600" algn="l" defTabSz="914400" rtl="0" eaLnBrk="1" latinLnBrk="0" hangingPunct="1">
+              <a:lnSpc>
+                <a:spcPct val="90000"/>
+              </a:lnSpc>
+              <a:spcBef>
+                <a:spcPts val="500"/>
+              </a:spcBef>
+              <a:buFont typeface="Arial" panose="020B0604020202020204" pitchFamily="34" charset="0"/>
+              <a:buChar char="•"/>
+              <a:defRPr sz="1800" kern="1200">
+                <a:solidFill>
+                  <a:schemeClr val="tx1"/>
+                </a:solidFill>
+                <a:latin typeface="+mn-lt"/>
+                <a:ea typeface="+mn-ea"/>
+                <a:cs typeface="+mn-cs"/>
+              </a:defRPr>
+            </a:lvl8pPr>
+            <a:lvl9pPr marL="3886200" indent="-228600" algn="l" defTabSz="914400" rtl="0" eaLnBrk="1" latinLnBrk="0" hangingPunct="1">
+              <a:lnSpc>
+                <a:spcPct val="90000"/>
+              </a:lnSpc>
+              <a:spcBef>
+                <a:spcPts val="500"/>
+              </a:spcBef>
+              <a:buFont typeface="Arial" panose="020B0604020202020204" pitchFamily="34" charset="0"/>
+              <a:buChar char="•"/>
+              <a:defRPr sz="1800" kern="1200">
+                <a:solidFill>
+                  <a:schemeClr val="tx1"/>
+                </a:solidFill>
+                <a:latin typeface="+mn-lt"/>
+                <a:ea typeface="+mn-ea"/>
+                <a:cs typeface="+mn-cs"/>
+              </a:defRPr>
+            </a:lvl9pPr>
+          </a:lstStyle>
+          <a:p>
+            <a:pPr marL="0" indent="0">
+              <a:buFont typeface="Arial" panose="020B0604020202020204" pitchFamily="34" charset="0"/>
+              <a:buNone/>
+            </a:pPr>
+            <a:endParaRPr lang="it-IT" sz="2000" dirty="0"/>
+          </a:p>
+          <a:p>
+            <a:pPr marL="0" indent="0">
+              <a:buFont typeface="Arial" panose="020B0604020202020204" pitchFamily="34" charset="0"/>
+              <a:buNone/>
+            </a:pPr>
+            <a:r>
+              <a:rPr lang="en-US" sz="2000" dirty="0"/>
+              <a:t>CREATE TABLE `playlist` (                                               </a:t>
+            </a:r>
+          </a:p>
+          <a:p>
+            <a:pPr marL="0" indent="0">
+              <a:buFont typeface="Arial" panose="020B0604020202020204" pitchFamily="34" charset="0"/>
+              <a:buNone/>
+            </a:pPr>
+            <a:r>
+              <a:rPr lang="en-US" sz="2000" dirty="0"/>
+              <a:t>     `Id` int NOT NULL AUTO_INCREMENT,            </a:t>
+            </a:r>
+          </a:p>
+          <a:p>
+            <a:pPr marL="0" indent="0">
+              <a:buFont typeface="Arial" panose="020B0604020202020204" pitchFamily="34" charset="0"/>
+              <a:buNone/>
+            </a:pPr>
+            <a:r>
+              <a:rPr lang="en-US" sz="2000" dirty="0"/>
+              <a:t>     `IdUserName` int NOT NULL,  	                </a:t>
+            </a:r>
+          </a:p>
+          <a:p>
+            <a:pPr marL="0" indent="0">
+              <a:buFont typeface="Arial" panose="020B0604020202020204" pitchFamily="34" charset="0"/>
+              <a:buNone/>
+            </a:pPr>
+            <a:r>
+              <a:rPr lang="en-US" sz="2000" dirty="0"/>
+              <a:t>     `Title` varchar(45) NOT NULL,  </a:t>
+            </a:r>
+          </a:p>
+          <a:p>
+            <a:pPr marL="0" indent="0">
+              <a:buFont typeface="Arial" panose="020B0604020202020204" pitchFamily="34" charset="0"/>
+              <a:buNone/>
+            </a:pPr>
+            <a:r>
+              <a:rPr lang="en-US" sz="2000" dirty="0"/>
+              <a:t>     `CreationDate` date NOT NULL, </a:t>
+            </a:r>
+          </a:p>
+          <a:p>
+            <a:pPr marL="0" indent="0">
+              <a:buFont typeface="Arial" panose="020B0604020202020204" pitchFamily="34" charset="0"/>
+              <a:buNone/>
+            </a:pPr>
+            <a:r>
+              <a:rPr lang="en-US" sz="2000" dirty="0"/>
+              <a:t>     `Sorting` json DEFAULT NULL,  </a:t>
+            </a:r>
+          </a:p>
+          <a:p>
+            <a:pPr marL="0" indent="0">
+              <a:buFont typeface="Arial" panose="020B0604020202020204" pitchFamily="34" charset="0"/>
+              <a:buNone/>
+            </a:pPr>
+            <a:r>
+              <a:rPr lang="en-US" sz="2000" dirty="0"/>
+              <a:t>      PRIMARY KEY (`Id`),  KEY `IdUser_idx`     </a:t>
+            </a:r>
+          </a:p>
+          <a:p>
+            <a:pPr marL="0" indent="0">
+              <a:buFont typeface="Arial" panose="020B0604020202020204" pitchFamily="34" charset="0"/>
+              <a:buNone/>
+            </a:pPr>
+            <a:r>
+              <a:rPr lang="en-US" sz="2000" dirty="0"/>
+              <a:t>     (`IdUserName`),  CONSTRAINT `IdUserName` </a:t>
+            </a:r>
+          </a:p>
+          <a:p>
+            <a:pPr marL="0" indent="0">
+              <a:buFont typeface="Arial" panose="020B0604020202020204" pitchFamily="34" charset="0"/>
+              <a:buNone/>
+            </a:pPr>
+            <a:r>
+              <a:rPr lang="en-US" sz="2000" dirty="0"/>
+              <a:t>     FOREIGN KEY (`IdUserName`) REFERENCES </a:t>
+            </a:r>
+          </a:p>
+          <a:p>
+            <a:pPr marL="0" indent="0">
+              <a:buFont typeface="Arial" panose="020B0604020202020204" pitchFamily="34" charset="0"/>
+              <a:buNone/>
+            </a:pPr>
+            <a:r>
+              <a:rPr lang="en-US" sz="2000" dirty="0"/>
+              <a:t>     `user` (`Id`) ON DELETE CASCADE ON UPDATE </a:t>
+            </a:r>
+          </a:p>
+          <a:p>
+            <a:pPr marL="0" indent="0">
+              <a:buFont typeface="Arial" panose="020B0604020202020204" pitchFamily="34" charset="0"/>
+              <a:buNone/>
+            </a:pPr>
+            <a:r>
+              <a:rPr lang="en-US" sz="2000" dirty="0"/>
+              <a:t>     CASCADE</a:t>
+            </a:r>
+          </a:p>
+          <a:p>
+            <a:pPr marL="0" indent="0">
+              <a:buFont typeface="Arial" panose="020B0604020202020204" pitchFamily="34" charset="0"/>
+              <a:buNone/>
+            </a:pPr>
+            <a:r>
+              <a:rPr lang="en-US" sz="2000" dirty="0"/>
+              <a:t>)</a:t>
+            </a:r>
+            <a:endParaRPr lang="it-IT" sz="2000" dirty="0"/>
+          </a:p>
+        </p:txBody>
+      </p:sp>
     </p:spTree>
     <p:extLst>
       <p:ext uri="{BB962C8B-B14F-4D97-AF65-F5344CB8AC3E}">
-        <p14:creationId xmlns:p14="http://schemas.microsoft.com/office/powerpoint/2010/main" val="533879949"/>
+        <p14:creationId xmlns:p14="http://schemas.microsoft.com/office/powerpoint/2010/main" val="479429459"/>
       </p:ext>
     </p:extLst>
   </p:cSld>
@@ -4944,7 +6333,7 @@
           <p:cNvPr id="2" name="Titolo 1">
             <a:extLst>
               <a:ext uri="{FF2B5EF4-FFF2-40B4-BE49-F238E27FC236}">
-                <a16:creationId xmlns:a16="http://schemas.microsoft.com/office/drawing/2014/main" id="{08E04582-8C25-40D6-9732-054BB8D7FF22}"/>
+                <a16:creationId xmlns:a16="http://schemas.microsoft.com/office/drawing/2014/main" id="{13312F49-A7CC-45E7-8EEA-E6A969CBDE80}"/>
               </a:ext>
             </a:extLst>
           </p:cNvPr>
@@ -4971,7 +6360,7 @@
                   </a:schemeClr>
                 </a:solidFill>
               </a:rPr>
-              <a:t>Components</a:t>
+              <a:t>Table definition: song/album</a:t>
             </a:r>
           </a:p>
         </p:txBody>
@@ -4981,576 +6370,459 @@
           <p:cNvPr id="3" name="Segnaposto contenuto 2">
             <a:extLst>
               <a:ext uri="{FF2B5EF4-FFF2-40B4-BE49-F238E27FC236}">
-                <a16:creationId xmlns:a16="http://schemas.microsoft.com/office/drawing/2014/main" id="{1EF1ADE0-3806-4186-A7B5-9895B21CCABC}"/>
-              </a:ext>
-            </a:extLst>
-          </p:cNvPr>
-          <p:cNvSpPr>
-            <a:spLocks noGrp="1"/>
-          </p:cNvSpPr>
-          <p:nvPr>
-            <p:ph sz="half" idx="1"/>
+                <a16:creationId xmlns:a16="http://schemas.microsoft.com/office/drawing/2014/main" id="{B0933921-49B2-4173-B5BC-BA4E948C86B3}"/>
+              </a:ext>
+            </a:extLst>
+          </p:cNvPr>
+          <p:cNvSpPr>
+            <a:spLocks noGrp="1"/>
+          </p:cNvSpPr>
+          <p:nvPr>
+            <p:ph idx="1"/>
           </p:nvPr>
         </p:nvSpPr>
         <p:spPr>
           <a:xfrm>
-            <a:off x="838200" y="1447061"/>
-            <a:ext cx="6157404" cy="5184558"/>
+            <a:off x="838200" y="1690688"/>
+            <a:ext cx="5257800" cy="4836435"/>
           </a:xfrm>
         </p:spPr>
         <p:txBody>
           <a:bodyPr>
-            <a:normAutofit fontScale="47500" lnSpcReduction="20000"/>
+            <a:normAutofit fontScale="77500" lnSpcReduction="20000"/>
           </a:bodyPr>
           <a:lstStyle/>
           <a:p>
-            <a:r>
-              <a:rPr lang="it-IT" sz="2500" b="1" dirty="0">
-                <a:solidFill>
-                  <a:schemeClr val="accent1">
-                    <a:lumMod val="75000"/>
-                  </a:schemeClr>
-                </a:solidFill>
-              </a:rPr>
-              <a:t>Model Objects (Beans)</a:t>
-            </a:r>
-          </a:p>
-          <a:p>
-            <a:pPr lvl="1">
-              <a:buFont typeface="Courier New" panose="02070309020205020404" pitchFamily="49" charset="0"/>
-              <a:buChar char="o"/>
+            <a:pPr marL="0" indent="0">
+              <a:buNone/>
             </a:pPr>
             <a:r>
               <a:rPr lang="it-IT" sz="2000" dirty="0"/>
-              <a:t>User</a:t>
-            </a:r>
-          </a:p>
-          <a:p>
-            <a:pPr lvl="1">
-              <a:buFont typeface="Courier New" panose="02070309020205020404" pitchFamily="49" charset="0"/>
-              <a:buChar char="o"/>
+              <a:t>CREATE TABLE `song` (  </a:t>
+            </a:r>
+          </a:p>
+          <a:p>
+            <a:pPr marL="0" indent="0">
+              <a:buNone/>
             </a:pPr>
             <a:r>
               <a:rPr lang="it-IT" sz="2000" dirty="0"/>
-              <a:t>Playlist</a:t>
-            </a:r>
-          </a:p>
-          <a:p>
-            <a:pPr lvl="1">
-              <a:buFont typeface="Courier New" panose="02070309020205020404" pitchFamily="49" charset="0"/>
-              <a:buChar char="o"/>
+              <a:t>      `Id` int NOT NULL AUTO_INCREMENT,  </a:t>
+            </a:r>
+          </a:p>
+          <a:p>
+            <a:pPr marL="0" indent="0">
+              <a:buNone/>
             </a:pPr>
             <a:r>
               <a:rPr lang="it-IT" sz="2000" dirty="0"/>
-              <a:t>SongDetails</a:t>
-            </a:r>
-          </a:p>
-          <a:p>
-            <a:r>
-              <a:rPr lang="es-419" sz="2500" b="1" dirty="0">
-                <a:solidFill>
-                  <a:schemeClr val="accent1">
-                    <a:lumMod val="75000"/>
-                  </a:schemeClr>
-                </a:solidFill>
-              </a:rPr>
-              <a:t>Data Access Objects (Classes)</a:t>
-            </a:r>
-          </a:p>
-          <a:p>
-            <a:pPr lvl="1">
-              <a:buFont typeface="Courier New" panose="02070309020205020404" pitchFamily="49" charset="0"/>
-              <a:buChar char="o"/>
-            </a:pPr>
-            <a:r>
-              <a:rPr lang="es-419" sz="2000" b="1" dirty="0">
-                <a:solidFill>
-                  <a:schemeClr val="accent6">
-                    <a:lumMod val="75000"/>
-                  </a:schemeClr>
-                </a:solidFill>
-              </a:rPr>
-              <a:t>UserDAO</a:t>
-            </a:r>
-          </a:p>
-          <a:p>
-            <a:pPr lvl="2">
-              <a:buFont typeface="Wingdings" panose="05000000000000000000" pitchFamily="2" charset="2"/>
-              <a:buChar char="q"/>
-            </a:pPr>
-            <a:r>
-              <a:rPr lang="es-419" dirty="0"/>
-              <a:t>findUser(userName)</a:t>
-            </a:r>
-          </a:p>
-          <a:p>
-            <a:pPr lvl="2">
-              <a:buFont typeface="Wingdings" panose="05000000000000000000" pitchFamily="2" charset="2"/>
-              <a:buChar char="q"/>
-            </a:pPr>
-            <a:r>
-              <a:rPr lang="es-419" dirty="0"/>
-              <a:t>checkAuthentication(userName , password)</a:t>
-            </a:r>
-          </a:p>
-          <a:p>
-            <a:pPr lvl="2">
-              <a:buFont typeface="Wingdings" panose="05000000000000000000" pitchFamily="2" charset="2"/>
-              <a:buChar char="q"/>
-            </a:pPr>
-            <a:r>
-              <a:rPr lang="es-419" dirty="0"/>
-              <a:t>addUser(username , password)</a:t>
-            </a:r>
-          </a:p>
-          <a:p>
-            <a:pPr lvl="1">
-              <a:buFont typeface="Courier New" panose="02070309020205020404" pitchFamily="49" charset="0"/>
-              <a:buChar char="o"/>
-            </a:pPr>
-            <a:r>
-              <a:rPr lang="es-419" sz="2000" b="1" dirty="0">
-                <a:solidFill>
-                  <a:schemeClr val="accent6">
-                    <a:lumMod val="75000"/>
-                  </a:schemeClr>
-                </a:solidFill>
-              </a:rPr>
-              <a:t>PlaylistDAO</a:t>
-            </a:r>
-          </a:p>
-          <a:p>
-            <a:pPr lvl="2">
-              <a:buFont typeface="Wingdings" panose="05000000000000000000" pitchFamily="2" charset="2"/>
-              <a:buChar char="q"/>
-            </a:pPr>
-            <a:r>
-              <a:rPr lang="es-419" dirty="0"/>
-              <a:t>findPlaylist(userId)</a:t>
-            </a:r>
-          </a:p>
-          <a:p>
-            <a:pPr lvl="2">
-              <a:buFont typeface="Wingdings" panose="05000000000000000000" pitchFamily="2" charset="2"/>
-              <a:buChar char="q"/>
-            </a:pPr>
-            <a:r>
-              <a:rPr lang="es-419" dirty="0"/>
-              <a:t>findPlaylistbyTitle(title , userId)</a:t>
-            </a:r>
-          </a:p>
-          <a:p>
-            <a:pPr lvl="2">
-              <a:buFont typeface="Wingdings" panose="05000000000000000000" pitchFamily="2" charset="2"/>
-              <a:buChar char="q"/>
-            </a:pPr>
-            <a:r>
-              <a:rPr lang="es-419" dirty="0"/>
-              <a:t>createPlaylist(title , creationDate , userId)</a:t>
-            </a:r>
-          </a:p>
-          <a:p>
-            <a:pPr lvl="2">
-              <a:buFont typeface="Wingdings" panose="05000000000000000000" pitchFamily="2" charset="2"/>
-              <a:buChar char="q"/>
-            </a:pPr>
-            <a:r>
-              <a:rPr lang="es-419" dirty="0"/>
-              <a:t>findPlaylistById(playlistId , userId)</a:t>
-            </a:r>
-          </a:p>
-          <a:p>
-            <a:pPr lvl="2">
-              <a:buFont typeface="Wingdings" panose="05000000000000000000" pitchFamily="2" charset="2"/>
-              <a:buChar char="q"/>
-            </a:pPr>
-            <a:r>
-              <a:rPr lang="es-419" dirty="0"/>
-              <a:t>findPlaylistTitleByID(playlistId)</a:t>
-            </a:r>
-          </a:p>
-          <a:p>
-            <a:pPr lvl="2">
-              <a:buFont typeface="Wingdings" panose="05000000000000000000" pitchFamily="2" charset="2"/>
-              <a:buChar char="q"/>
-            </a:pPr>
-            <a:r>
-              <a:rPr lang="es-419" dirty="0"/>
-              <a:t>addSong(playlistID , songId)</a:t>
-            </a:r>
-          </a:p>
-          <a:p>
-            <a:pPr lvl="2">
-              <a:buFont typeface="Wingdings" panose="05000000000000000000" pitchFamily="2" charset="2"/>
-              <a:buChar char="q"/>
-            </a:pPr>
-            <a:r>
-              <a:rPr lang="es-419" dirty="0"/>
-              <a:t>findSongInPlaylist(playlistId , songId)</a:t>
-            </a:r>
-          </a:p>
-          <a:p>
-            <a:pPr lvl="1">
-              <a:buFont typeface="Courier New" panose="02070309020205020404" pitchFamily="49" charset="0"/>
-              <a:buChar char="o"/>
-            </a:pPr>
-            <a:r>
-              <a:rPr lang="es-419" sz="2000" b="1" dirty="0">
-                <a:solidFill>
-                  <a:schemeClr val="accent6">
-                    <a:lumMod val="75000"/>
-                  </a:schemeClr>
-                </a:solidFill>
-              </a:rPr>
-              <a:t>SongDAO</a:t>
-            </a:r>
-          </a:p>
-          <a:p>
-            <a:pPr lvl="2">
-              <a:buFont typeface="Wingdings" panose="05000000000000000000" pitchFamily="2" charset="2"/>
-              <a:buChar char="q"/>
-            </a:pPr>
-            <a:r>
-              <a:rPr lang="es-419" dirty="0"/>
-              <a:t>-findAlbumId(albumTitle , singer , publicationYear , filename)</a:t>
-            </a:r>
-          </a:p>
-          <a:p>
-            <a:pPr lvl="2">
-              <a:buFont typeface="Wingdings" panose="05000000000000000000" pitchFamily="2" charset="2"/>
-              <a:buChar char="q"/>
-            </a:pPr>
-            <a:r>
-              <a:rPr lang="es-419" dirty="0"/>
-              <a:t>createSongAndAlbum(userId , songTitle , genre , albumTitle , singer , publicationYear 	, imgName , songName)</a:t>
-            </a:r>
-          </a:p>
-          <a:p>
-            <a:pPr lvl="2">
-              <a:buFont typeface="Wingdings" panose="05000000000000000000" pitchFamily="2" charset="2"/>
-              <a:buChar char="q"/>
-            </a:pPr>
-            <a:r>
-              <a:rPr lang="es-419" dirty="0"/>
-              <a:t>-createAlbum(albumTitle , singerr , publicationYear , filename)</a:t>
-            </a:r>
-          </a:p>
-          <a:p>
-            <a:pPr lvl="2">
-              <a:buFont typeface="Wingdings" panose="05000000000000000000" pitchFamily="2" charset="2"/>
-              <a:buChar char="q"/>
-            </a:pPr>
-            <a:r>
-              <a:rPr lang="es-419" dirty="0"/>
-              <a:t>-createSong(userId , songTitle , genre , albumId , filename)</a:t>
-            </a:r>
-          </a:p>
-          <a:p>
-            <a:pPr lvl="2">
-              <a:buFont typeface="Wingdings" panose="05000000000000000000" pitchFamily="2" charset="2"/>
-              <a:buChar char="q"/>
-            </a:pPr>
-            <a:r>
-              <a:rPr lang="es-419" dirty="0"/>
-              <a:t>getSongTitleAndImage(playlistId)</a:t>
-            </a:r>
-          </a:p>
-          <a:p>
-            <a:pPr lvl="2">
-              <a:buFont typeface="Wingdings" panose="05000000000000000000" pitchFamily="2" charset="2"/>
-              <a:buChar char="q"/>
-            </a:pPr>
-            <a:r>
-              <a:rPr lang="es-419" dirty="0"/>
-              <a:t>getSongsNotInPlaylist(playlistId , userId)</a:t>
-            </a:r>
-          </a:p>
-          <a:p>
-            <a:pPr lvl="2">
-              <a:buFont typeface="Wingdings" panose="05000000000000000000" pitchFamily="2" charset="2"/>
-              <a:buChar char="q"/>
-            </a:pPr>
-            <a:r>
-              <a:rPr lang="es-419" dirty="0"/>
-              <a:t>findSongByUser(songId , userId)</a:t>
-            </a:r>
-          </a:p>
-          <a:p>
-            <a:pPr lvl="2">
-              <a:buFont typeface="Wingdings" panose="05000000000000000000" pitchFamily="2" charset="2"/>
-              <a:buChar char="q"/>
-            </a:pPr>
-            <a:r>
-              <a:rPr lang="es-419" dirty="0"/>
-              <a:t>findSongByUser(imageName , userId)</a:t>
-            </a:r>
-          </a:p>
-          <a:p>
-            <a:pPr lvl="2">
-              <a:buFont typeface="Wingdings" panose="05000000000000000000" pitchFamily="2" charset="2"/>
-              <a:buChar char="q"/>
-            </a:pPr>
-            <a:r>
-              <a:rPr lang="es-419" dirty="0"/>
-              <a:t>getSongDetails(songId)</a:t>
-            </a:r>
-          </a:p>
-          <a:p>
-            <a:pPr lvl="2">
-              <a:buFont typeface="Wingdings" panose="05000000000000000000" pitchFamily="2" charset="2"/>
-              <a:buChar char="q"/>
-            </a:pPr>
-            <a:r>
-              <a:rPr lang="es-419" dirty="0"/>
-              <a:t>findSongByUserId(songName , userId)</a:t>
-            </a:r>
-          </a:p>
-          <a:p>
-            <a:pPr marL="457200" lvl="1" indent="0">
-              <a:buNone/>
-            </a:pPr>
-            <a:endParaRPr lang="es-419" sz="1400" dirty="0"/>
-          </a:p>
-          <a:p>
-            <a:pPr lvl="1"/>
-            <a:endParaRPr lang="it-IT" sz="1600" dirty="0"/>
-          </a:p>
-          <a:p>
-            <a:pPr marL="457200" lvl="1" indent="0">
-              <a:buNone/>
-            </a:pPr>
-            <a:endParaRPr lang="it-IT" sz="1600" dirty="0"/>
-          </a:p>
-        </p:txBody>
-      </p:sp>
-      <p:sp>
-        <p:nvSpPr>
-          <p:cNvPr id="4" name="Segnaposto contenuto 3">
-            <a:extLst>
-              <a:ext uri="{FF2B5EF4-FFF2-40B4-BE49-F238E27FC236}">
-                <a16:creationId xmlns:a16="http://schemas.microsoft.com/office/drawing/2014/main" id="{83201C16-28B8-4889-A469-C9F1F9835A9A}"/>
-              </a:ext>
-            </a:extLst>
-          </p:cNvPr>
-          <p:cNvSpPr>
-            <a:spLocks noGrp="1"/>
-          </p:cNvSpPr>
-          <p:nvPr>
-            <p:ph sz="half" idx="2"/>
-          </p:nvPr>
+              <a:t>      `IdUser` int NOT NULL,  </a:t>
+            </a:r>
+          </a:p>
+          <a:p>
+            <a:pPr marL="0" indent="0">
+              <a:buNone/>
+            </a:pPr>
+            <a:r>
+              <a:rPr lang="it-IT" sz="2000" dirty="0"/>
+              <a:t>      `KindOf` varchar(45) NOT NULL,  </a:t>
+            </a:r>
+          </a:p>
+          <a:p>
+            <a:pPr marL="0" indent="0">
+              <a:buNone/>
+            </a:pPr>
+            <a:r>
+              <a:rPr lang="it-IT" sz="2000" dirty="0"/>
+              <a:t>      `MusicFile` varchar(255) NOT NULL,  </a:t>
+            </a:r>
+          </a:p>
+          <a:p>
+            <a:pPr marL="0" indent="0">
+              <a:buNone/>
+            </a:pPr>
+            <a:r>
+              <a:rPr lang="it-IT" sz="2000" dirty="0"/>
+              <a:t>      `SongTitle` varchar(45) NOT NULL,  </a:t>
+            </a:r>
+          </a:p>
+          <a:p>
+            <a:pPr marL="0" indent="0">
+              <a:buNone/>
+            </a:pPr>
+            <a:r>
+              <a:rPr lang="it-IT" sz="2000" dirty="0"/>
+              <a:t>      `IdAlbum` int NOT NULL,  </a:t>
+            </a:r>
+          </a:p>
+          <a:p>
+            <a:pPr marL="0" indent="0">
+              <a:buNone/>
+            </a:pPr>
+            <a:r>
+              <a:rPr lang="it-IT" sz="2000" dirty="0"/>
+              <a:t>      PRIMARY KEY (`Id`),  KEY `IdAlbum_idx` </a:t>
+            </a:r>
+          </a:p>
+          <a:p>
+            <a:pPr marL="0" indent="0">
+              <a:buNone/>
+            </a:pPr>
+            <a:r>
+              <a:rPr lang="it-IT" sz="2000" dirty="0"/>
+              <a:t>            (`IdAlbum`),  KEY `IdUser_idx` (`IdUser`),    </a:t>
+            </a:r>
+          </a:p>
+          <a:p>
+            <a:pPr marL="0" indent="0">
+              <a:buNone/>
+            </a:pPr>
+            <a:r>
+              <a:rPr lang="it-IT" sz="2000" dirty="0"/>
+              <a:t>     CONSTRAINT `IdAlbum` FOREIGN KEY     </a:t>
+            </a:r>
+          </a:p>
+          <a:p>
+            <a:pPr marL="0" indent="0">
+              <a:buNone/>
+            </a:pPr>
+            <a:r>
+              <a:rPr lang="it-IT" sz="2000" dirty="0"/>
+              <a:t>            (`IdAlbum`) REFERENCES `album` (`Id`) ON </a:t>
+            </a:r>
+          </a:p>
+          <a:p>
+            <a:pPr marL="0" indent="0">
+              <a:buNone/>
+            </a:pPr>
+            <a:r>
+              <a:rPr lang="it-IT" sz="2000" dirty="0"/>
+              <a:t>            DELETE CASCADE ON UPDATE CASCADE,    </a:t>
+            </a:r>
+          </a:p>
+          <a:p>
+            <a:pPr marL="0" indent="0">
+              <a:buNone/>
+            </a:pPr>
+            <a:r>
+              <a:rPr lang="it-IT" sz="2000" dirty="0"/>
+              <a:t>     CONSTRAINT `IdUser` FOREIGN KEY (`IdUser`)   </a:t>
+            </a:r>
+          </a:p>
+          <a:p>
+            <a:pPr marL="0" indent="0">
+              <a:buNone/>
+            </a:pPr>
+            <a:r>
+              <a:rPr lang="it-IT" sz="2000" dirty="0"/>
+              <a:t>            REFERENCES `user` (`Id`) ON DELETE    </a:t>
+            </a:r>
+          </a:p>
+          <a:p>
+            <a:pPr marL="0" indent="0">
+              <a:buNone/>
+            </a:pPr>
+            <a:r>
+              <a:rPr lang="it-IT" sz="2000" dirty="0"/>
+              <a:t>            CASCADE ON UPDATE CASCADE</a:t>
+            </a:r>
+          </a:p>
+          <a:p>
+            <a:pPr marL="0" indent="0">
+              <a:buNone/>
+            </a:pPr>
+            <a:r>
+              <a:rPr lang="it-IT" sz="2000" dirty="0"/>
+              <a:t>)</a:t>
+            </a:r>
+          </a:p>
+        </p:txBody>
+      </p:sp>
+      <p:sp>
+        <p:nvSpPr>
+          <p:cNvPr id="4" name="Segnaposto contenuto 2">
+            <a:extLst>
+              <a:ext uri="{FF2B5EF4-FFF2-40B4-BE49-F238E27FC236}">
+                <a16:creationId xmlns:a16="http://schemas.microsoft.com/office/drawing/2014/main" id="{8999E375-18DD-4A9C-9690-C733885C3AD3}"/>
+              </a:ext>
+            </a:extLst>
+          </p:cNvPr>
+          <p:cNvSpPr txBox="1">
+            <a:spLocks/>
+          </p:cNvSpPr>
+          <p:nvPr/>
         </p:nvSpPr>
         <p:spPr>
           <a:xfrm>
-            <a:off x="7128769" y="1447061"/>
-            <a:ext cx="4837590" cy="4596738"/>
+            <a:off x="6228426" y="1340527"/>
+            <a:ext cx="5257800" cy="4836435"/>
           </a:xfrm>
+          <a:prstGeom prst="rect">
+            <a:avLst/>
+          </a:prstGeom>
         </p:spPr>
         <p:txBody>
-          <a:bodyPr>
-            <a:normAutofit fontScale="47500" lnSpcReduction="20000"/>
+          <a:bodyPr vert="horz" lIns="91440" tIns="45720" rIns="91440" bIns="45720" rtlCol="0">
+            <a:normAutofit/>
           </a:bodyPr>
-          <a:lstStyle/>
-          <a:p>
-            <a:r>
-              <a:rPr lang="it-IT" b="1" dirty="0">
+          <a:lstStyle>
+            <a:lvl1pPr marL="228600" indent="-228600" algn="l" defTabSz="914400" rtl="0" eaLnBrk="1" latinLnBrk="0" hangingPunct="1">
+              <a:lnSpc>
+                <a:spcPct val="90000"/>
+              </a:lnSpc>
+              <a:spcBef>
+                <a:spcPts val="1000"/>
+              </a:spcBef>
+              <a:buFont typeface="Arial" panose="020B0604020202020204" pitchFamily="34" charset="0"/>
+              <a:buChar char="•"/>
+              <a:defRPr sz="2800" kern="1200">
                 <a:solidFill>
-                  <a:schemeClr val="accent1">
-                    <a:lumMod val="75000"/>
-                  </a:schemeClr>
+                  <a:schemeClr val="tx1"/>
                 </a:solidFill>
-              </a:rPr>
-              <a:t>Controllers (Servlets</a:t>
-            </a:r>
-            <a:r>
-              <a:rPr lang="it-IT" dirty="0"/>
+                <a:latin typeface="+mn-lt"/>
+                <a:ea typeface="+mn-ea"/>
+                <a:cs typeface="+mn-cs"/>
+              </a:defRPr>
+            </a:lvl1pPr>
+            <a:lvl2pPr marL="685800" indent="-228600" algn="l" defTabSz="914400" rtl="0" eaLnBrk="1" latinLnBrk="0" hangingPunct="1">
+              <a:lnSpc>
+                <a:spcPct val="90000"/>
+              </a:lnSpc>
+              <a:spcBef>
+                <a:spcPts val="500"/>
+              </a:spcBef>
+              <a:buFont typeface="Arial" panose="020B0604020202020204" pitchFamily="34" charset="0"/>
+              <a:buChar char="•"/>
+              <a:defRPr sz="2400" kern="1200">
+                <a:solidFill>
+                  <a:schemeClr val="tx1"/>
+                </a:solidFill>
+                <a:latin typeface="+mn-lt"/>
+                <a:ea typeface="+mn-ea"/>
+                <a:cs typeface="+mn-cs"/>
+              </a:defRPr>
+            </a:lvl2pPr>
+            <a:lvl3pPr marL="1143000" indent="-228600" algn="l" defTabSz="914400" rtl="0" eaLnBrk="1" latinLnBrk="0" hangingPunct="1">
+              <a:lnSpc>
+                <a:spcPct val="90000"/>
+              </a:lnSpc>
+              <a:spcBef>
+                <a:spcPts val="500"/>
+              </a:spcBef>
+              <a:buFont typeface="Arial" panose="020B0604020202020204" pitchFamily="34" charset="0"/>
+              <a:buChar char="•"/>
+              <a:defRPr sz="2000" kern="1200">
+                <a:solidFill>
+                  <a:schemeClr val="tx1"/>
+                </a:solidFill>
+                <a:latin typeface="+mn-lt"/>
+                <a:ea typeface="+mn-ea"/>
+                <a:cs typeface="+mn-cs"/>
+              </a:defRPr>
+            </a:lvl3pPr>
+            <a:lvl4pPr marL="1600200" indent="-228600" algn="l" defTabSz="914400" rtl="0" eaLnBrk="1" latinLnBrk="0" hangingPunct="1">
+              <a:lnSpc>
+                <a:spcPct val="90000"/>
+              </a:lnSpc>
+              <a:spcBef>
+                <a:spcPts val="500"/>
+              </a:spcBef>
+              <a:buFont typeface="Arial" panose="020B0604020202020204" pitchFamily="34" charset="0"/>
+              <a:buChar char="•"/>
+              <a:defRPr sz="1800" kern="1200">
+                <a:solidFill>
+                  <a:schemeClr val="tx1"/>
+                </a:solidFill>
+                <a:latin typeface="+mn-lt"/>
+                <a:ea typeface="+mn-ea"/>
+                <a:cs typeface="+mn-cs"/>
+              </a:defRPr>
+            </a:lvl4pPr>
+            <a:lvl5pPr marL="2057400" indent="-228600" algn="l" defTabSz="914400" rtl="0" eaLnBrk="1" latinLnBrk="0" hangingPunct="1">
+              <a:lnSpc>
+                <a:spcPct val="90000"/>
+              </a:lnSpc>
+              <a:spcBef>
+                <a:spcPts val="500"/>
+              </a:spcBef>
+              <a:buFont typeface="Arial" panose="020B0604020202020204" pitchFamily="34" charset="0"/>
+              <a:buChar char="•"/>
+              <a:defRPr sz="1800" kern="1200">
+                <a:solidFill>
+                  <a:schemeClr val="tx1"/>
+                </a:solidFill>
+                <a:latin typeface="+mn-lt"/>
+                <a:ea typeface="+mn-ea"/>
+                <a:cs typeface="+mn-cs"/>
+              </a:defRPr>
+            </a:lvl5pPr>
+            <a:lvl6pPr marL="2514600" indent="-228600" algn="l" defTabSz="914400" rtl="0" eaLnBrk="1" latinLnBrk="0" hangingPunct="1">
+              <a:lnSpc>
+                <a:spcPct val="90000"/>
+              </a:lnSpc>
+              <a:spcBef>
+                <a:spcPts val="500"/>
+              </a:spcBef>
+              <a:buFont typeface="Arial" panose="020B0604020202020204" pitchFamily="34" charset="0"/>
+              <a:buChar char="•"/>
+              <a:defRPr sz="1800" kern="1200">
+                <a:solidFill>
+                  <a:schemeClr val="tx1"/>
+                </a:solidFill>
+                <a:latin typeface="+mn-lt"/>
+                <a:ea typeface="+mn-ea"/>
+                <a:cs typeface="+mn-cs"/>
+              </a:defRPr>
+            </a:lvl6pPr>
+            <a:lvl7pPr marL="2971800" indent="-228600" algn="l" defTabSz="914400" rtl="0" eaLnBrk="1" latinLnBrk="0" hangingPunct="1">
+              <a:lnSpc>
+                <a:spcPct val="90000"/>
+              </a:lnSpc>
+              <a:spcBef>
+                <a:spcPts val="500"/>
+              </a:spcBef>
+              <a:buFont typeface="Arial" panose="020B0604020202020204" pitchFamily="34" charset="0"/>
+              <a:buChar char="•"/>
+              <a:defRPr sz="1800" kern="1200">
+                <a:solidFill>
+                  <a:schemeClr val="tx1"/>
+                </a:solidFill>
+                <a:latin typeface="+mn-lt"/>
+                <a:ea typeface="+mn-ea"/>
+                <a:cs typeface="+mn-cs"/>
+              </a:defRPr>
+            </a:lvl7pPr>
+            <a:lvl8pPr marL="3429000" indent="-228600" algn="l" defTabSz="914400" rtl="0" eaLnBrk="1" latinLnBrk="0" hangingPunct="1">
+              <a:lnSpc>
+                <a:spcPct val="90000"/>
+              </a:lnSpc>
+              <a:spcBef>
+                <a:spcPts val="500"/>
+              </a:spcBef>
+              <a:buFont typeface="Arial" panose="020B0604020202020204" pitchFamily="34" charset="0"/>
+              <a:buChar char="•"/>
+              <a:defRPr sz="1800" kern="1200">
+                <a:solidFill>
+                  <a:schemeClr val="tx1"/>
+                </a:solidFill>
+                <a:latin typeface="+mn-lt"/>
+                <a:ea typeface="+mn-ea"/>
+                <a:cs typeface="+mn-cs"/>
+              </a:defRPr>
+            </a:lvl8pPr>
+            <a:lvl9pPr marL="3886200" indent="-228600" algn="l" defTabSz="914400" rtl="0" eaLnBrk="1" latinLnBrk="0" hangingPunct="1">
+              <a:lnSpc>
+                <a:spcPct val="90000"/>
+              </a:lnSpc>
+              <a:spcBef>
+                <a:spcPts val="500"/>
+              </a:spcBef>
+              <a:buFont typeface="Arial" panose="020B0604020202020204" pitchFamily="34" charset="0"/>
+              <a:buChar char="•"/>
+              <a:defRPr sz="1800" kern="1200">
+                <a:solidFill>
+                  <a:schemeClr val="tx1"/>
+                </a:solidFill>
+                <a:latin typeface="+mn-lt"/>
+                <a:ea typeface="+mn-ea"/>
+                <a:cs typeface="+mn-cs"/>
+              </a:defRPr>
+            </a:lvl9pPr>
+          </a:lstStyle>
+          <a:p>
+            <a:pPr marL="0" indent="0">
+              <a:buFont typeface="Arial" panose="020B0604020202020204" pitchFamily="34" charset="0"/>
+              <a:buNone/>
+            </a:pPr>
+            <a:endParaRPr lang="it-IT" sz="2000" dirty="0"/>
+          </a:p>
+          <a:p>
+            <a:pPr marL="0" indent="0">
+              <a:buFont typeface="Arial" panose="020B0604020202020204" pitchFamily="34" charset="0"/>
+              <a:buNone/>
+            </a:pPr>
+            <a:r>
+              <a:rPr lang="en-US" sz="2000" dirty="0"/>
+              <a:t>CREATE TABLE `album` (  </a:t>
+            </a:r>
+          </a:p>
+          <a:p>
+            <a:pPr marL="0" indent="0">
+              <a:buFont typeface="Arial" panose="020B0604020202020204" pitchFamily="34" charset="0"/>
+              <a:buNone/>
+            </a:pPr>
+            <a:r>
+              <a:rPr lang="en-US" sz="2000" dirty="0"/>
+              <a:t>      `Id` int NOT NULL AUTO_INCREMENT,  </a:t>
+            </a:r>
+          </a:p>
+          <a:p>
+            <a:pPr marL="0" indent="0">
+              <a:buFont typeface="Arial" panose="020B0604020202020204" pitchFamily="34" charset="0"/>
+              <a:buNone/>
+            </a:pPr>
+            <a:r>
+              <a:rPr lang="en-US" sz="2000" dirty="0"/>
+              <a:t>      `Title` varchar(45) NOT NULL,  </a:t>
+            </a:r>
+          </a:p>
+          <a:p>
+            <a:pPr marL="0" indent="0">
+              <a:buFont typeface="Arial" panose="020B0604020202020204" pitchFamily="34" charset="0"/>
+              <a:buNone/>
+            </a:pPr>
+            <a:r>
+              <a:rPr lang="en-US" sz="2000" dirty="0"/>
+              <a:t>      `Image` varchar(255) NOT NULL,  </a:t>
+            </a:r>
+          </a:p>
+          <a:p>
+            <a:pPr marL="0" indent="0">
+              <a:buFont typeface="Arial" panose="020B0604020202020204" pitchFamily="34" charset="0"/>
+              <a:buNone/>
+            </a:pPr>
+            <a:r>
+              <a:rPr lang="en-US" sz="2000" dirty="0"/>
+              <a:t>      `Singer` varchar(45) NOT NULL,  </a:t>
+            </a:r>
+          </a:p>
+          <a:p>
+            <a:pPr marL="0" indent="0">
+              <a:buFont typeface="Arial" panose="020B0604020202020204" pitchFamily="34" charset="0"/>
+              <a:buNone/>
+            </a:pPr>
+            <a:r>
+              <a:rPr lang="en-US" sz="2000" dirty="0"/>
+              <a:t>      `PublicationYear` varchar(45) NOT NULL,    </a:t>
+            </a:r>
+          </a:p>
+          <a:p>
+            <a:pPr marL="0" indent="0">
+              <a:buFont typeface="Arial" panose="020B0604020202020204" pitchFamily="34" charset="0"/>
+              <a:buNone/>
+            </a:pPr>
+            <a:r>
+              <a:rPr lang="en-US" sz="2000" dirty="0"/>
+              <a:t>      PRIMARY KEY (`Id`)</a:t>
+            </a:r>
+          </a:p>
+          <a:p>
+            <a:pPr marL="0" indent="0">
+              <a:buFont typeface="Arial" panose="020B0604020202020204" pitchFamily="34" charset="0"/>
+              <a:buNone/>
+            </a:pPr>
+            <a:r>
+              <a:rPr lang="en-US" sz="2000" dirty="0"/>
               <a:t>)</a:t>
             </a:r>
-          </a:p>
-          <a:p>
-            <a:pPr lvl="1">
-              <a:buFont typeface="Courier New" panose="02070309020205020404" pitchFamily="49" charset="0"/>
-              <a:buChar char="o"/>
-            </a:pPr>
-            <a:r>
-              <a:rPr lang="it-IT" dirty="0"/>
-              <a:t>CheckLogin</a:t>
-            </a:r>
-          </a:p>
-          <a:p>
-            <a:pPr lvl="1">
-              <a:buFont typeface="Courier New" panose="02070309020205020404" pitchFamily="49" charset="0"/>
-              <a:buChar char="o"/>
-            </a:pPr>
-            <a:r>
-              <a:rPr lang="it-IT" dirty="0"/>
-              <a:t>Registration</a:t>
-            </a:r>
-          </a:p>
-          <a:p>
-            <a:pPr lvl="1">
-              <a:buFont typeface="Courier New" panose="02070309020205020404" pitchFamily="49" charset="0"/>
-              <a:buChar char="o"/>
-            </a:pPr>
-            <a:r>
-              <a:rPr lang="it-IT" dirty="0"/>
-              <a:t>GoToHomePage</a:t>
-            </a:r>
-          </a:p>
-          <a:p>
-            <a:pPr lvl="1">
-              <a:buFont typeface="Courier New" panose="02070309020205020404" pitchFamily="49" charset="0"/>
-              <a:buChar char="o"/>
-            </a:pPr>
-            <a:r>
-              <a:rPr lang="it-IT" dirty="0"/>
-              <a:t>CreateSong</a:t>
-            </a:r>
-          </a:p>
-          <a:p>
-            <a:pPr lvl="1">
-              <a:buFont typeface="Courier New" panose="02070309020205020404" pitchFamily="49" charset="0"/>
-              <a:buChar char="o"/>
-            </a:pPr>
-            <a:r>
-              <a:rPr lang="it-IT" dirty="0"/>
-              <a:t>CreatePlaylist</a:t>
-            </a:r>
-          </a:p>
-          <a:p>
-            <a:pPr lvl="1">
-              <a:buFont typeface="Courier New" panose="02070309020205020404" pitchFamily="49" charset="0"/>
-              <a:buChar char="o"/>
-            </a:pPr>
-            <a:r>
-              <a:rPr lang="it-IT" dirty="0"/>
-              <a:t>GoToPlaylistPage</a:t>
-            </a:r>
-          </a:p>
-          <a:p>
-            <a:pPr lvl="1">
-              <a:buFont typeface="Courier New" panose="02070309020205020404" pitchFamily="49" charset="0"/>
-              <a:buChar char="o"/>
-            </a:pPr>
-            <a:r>
-              <a:rPr lang="it-IT" dirty="0"/>
-              <a:t>AddSong</a:t>
-            </a:r>
-          </a:p>
-          <a:p>
-            <a:pPr lvl="1">
-              <a:buFont typeface="Courier New" panose="02070309020205020404" pitchFamily="49" charset="0"/>
-              <a:buChar char="o"/>
-            </a:pPr>
-            <a:r>
-              <a:rPr lang="it-IT" dirty="0"/>
-              <a:t>GetImage</a:t>
-            </a:r>
-          </a:p>
-          <a:p>
-            <a:pPr lvl="1">
-              <a:buFont typeface="Courier New" panose="02070309020205020404" pitchFamily="49" charset="0"/>
-              <a:buChar char="o"/>
-            </a:pPr>
-            <a:r>
-              <a:rPr lang="it-IT" dirty="0"/>
-              <a:t>GoToSongPage</a:t>
-            </a:r>
-          </a:p>
-          <a:p>
-            <a:pPr lvl="1">
-              <a:buFont typeface="Courier New" panose="02070309020205020404" pitchFamily="49" charset="0"/>
-              <a:buChar char="o"/>
-            </a:pPr>
-            <a:r>
-              <a:rPr lang="it-IT" dirty="0"/>
-              <a:t>GetSong</a:t>
-            </a:r>
-          </a:p>
-          <a:p>
-            <a:pPr lvl="1">
-              <a:buFont typeface="Courier New" panose="02070309020205020404" pitchFamily="49" charset="0"/>
-              <a:buChar char="o"/>
-            </a:pPr>
-            <a:r>
-              <a:rPr lang="it-IT" dirty="0"/>
-              <a:t>Logout</a:t>
-            </a:r>
-          </a:p>
-          <a:p>
-            <a:r>
-              <a:rPr lang="it-IT" b="1" dirty="0">
-                <a:solidFill>
-                  <a:schemeClr val="accent1">
-                    <a:lumMod val="75000"/>
-                  </a:schemeClr>
-                </a:solidFill>
-              </a:rPr>
-              <a:t>Views (Templates)</a:t>
-            </a:r>
-          </a:p>
-          <a:p>
-            <a:pPr lvl="1">
-              <a:buFont typeface="Courier New" panose="02070309020205020404" pitchFamily="49" charset="0"/>
-              <a:buChar char="o"/>
-            </a:pPr>
-            <a:r>
-              <a:rPr lang="it-IT" dirty="0"/>
-              <a:t>Login.html</a:t>
-            </a:r>
-          </a:p>
-          <a:p>
-            <a:pPr lvl="1">
-              <a:buFont typeface="Courier New" panose="02070309020205020404" pitchFamily="49" charset="0"/>
-              <a:buChar char="o"/>
-            </a:pPr>
-            <a:r>
-              <a:rPr lang="it-IT" dirty="0"/>
-              <a:t>Registration.html</a:t>
-            </a:r>
-          </a:p>
-          <a:p>
-            <a:pPr lvl="1">
-              <a:buFont typeface="Courier New" panose="02070309020205020404" pitchFamily="49" charset="0"/>
-              <a:buChar char="o"/>
-            </a:pPr>
-            <a:r>
-              <a:rPr lang="it-IT" dirty="0"/>
-              <a:t>HomePage.html</a:t>
-            </a:r>
-          </a:p>
-          <a:p>
-            <a:pPr lvl="1">
-              <a:buFont typeface="Courier New" panose="02070309020205020404" pitchFamily="49" charset="0"/>
-              <a:buChar char="o"/>
-            </a:pPr>
-            <a:r>
-              <a:rPr lang="it-IT" dirty="0"/>
-              <a:t>PlaylistPage.html</a:t>
-            </a:r>
-          </a:p>
-          <a:p>
-            <a:pPr lvl="1">
-              <a:buFont typeface="Courier New" panose="02070309020205020404" pitchFamily="49" charset="0"/>
-              <a:buChar char="o"/>
-            </a:pPr>
-            <a:r>
-              <a:rPr lang="it-IT" dirty="0"/>
-              <a:t>SongPage.html</a:t>
-            </a:r>
-          </a:p>
-          <a:p>
-            <a:pPr lvl="1">
-              <a:buFont typeface="Courier New" panose="02070309020205020404" pitchFamily="49" charset="0"/>
-              <a:buChar char="o"/>
-            </a:pPr>
-            <a:endParaRPr lang="it-IT" dirty="0"/>
+            <a:endParaRPr lang="it-IT" sz="2000" dirty="0"/>
           </a:p>
         </p:txBody>
       </p:sp>
     </p:spTree>
     <p:extLst>
       <p:ext uri="{BB962C8B-B14F-4D97-AF65-F5344CB8AC3E}">
-        <p14:creationId xmlns:p14="http://schemas.microsoft.com/office/powerpoint/2010/main" val="1119765260"/>
+        <p14:creationId xmlns:p14="http://schemas.microsoft.com/office/powerpoint/2010/main" val="2213910172"/>
       </p:ext>
     </p:extLst>
   </p:cSld>
@@ -5582,7 +6854,7 @@
           <p:cNvPr id="2" name="Titolo 1">
             <a:extLst>
               <a:ext uri="{FF2B5EF4-FFF2-40B4-BE49-F238E27FC236}">
-                <a16:creationId xmlns:a16="http://schemas.microsoft.com/office/drawing/2014/main" id="{F1FA8791-F8A3-4689-AE65-6E4292C29EE4}"/>
+                <a16:creationId xmlns:a16="http://schemas.microsoft.com/office/drawing/2014/main" id="{13312F49-A7CC-45E7-8EEA-E6A969CBDE80}"/>
               </a:ext>
             </a:extLst>
           </p:cNvPr>
@@ -5609,7 +6881,7 @@
                   </a:schemeClr>
                 </a:solidFill>
               </a:rPr>
-              <a:t>Sequence diagrams</a:t>
+              <a:t>Table definition: contains</a:t>
             </a:r>
           </a:p>
         </p:txBody>
@@ -5619,7 +6891,7 @@
           <p:cNvPr id="3" name="Segnaposto contenuto 2">
             <a:extLst>
               <a:ext uri="{FF2B5EF4-FFF2-40B4-BE49-F238E27FC236}">
-                <a16:creationId xmlns:a16="http://schemas.microsoft.com/office/drawing/2014/main" id="{D4F9415C-9E9C-48B4-A8B4-DECB55769D79}"/>
+                <a16:creationId xmlns:a16="http://schemas.microsoft.com/office/drawing/2014/main" id="{B0933921-49B2-4173-B5BC-BA4E948C86B3}"/>
               </a:ext>
             </a:extLst>
           </p:cNvPr>
@@ -5630,43 +6902,132 @@
             <p:ph idx="1"/>
           </p:nvPr>
         </p:nvSpPr>
-        <p:spPr/>
-        <p:txBody>
-          <a:bodyPr/>
+        <p:spPr>
+          <a:xfrm>
+            <a:off x="3467100" y="1411549"/>
+            <a:ext cx="5257800" cy="4836435"/>
+          </a:xfrm>
+        </p:spPr>
+        <p:txBody>
+          <a:bodyPr>
+            <a:normAutofit lnSpcReduction="10000"/>
+          </a:bodyPr>
           <a:lstStyle/>
           <a:p>
             <a:pPr marL="0" indent="0">
               <a:buNone/>
             </a:pPr>
             <a:r>
-              <a:rPr lang="it-IT" dirty="0">
-                <a:solidFill>
-                  <a:schemeClr val="accent1">
-                    <a:lumMod val="75000"/>
-                  </a:schemeClr>
-                </a:solidFill>
-              </a:rPr>
-              <a:t>Simplifications done:</a:t>
-            </a:r>
-          </a:p>
-          <a:p>
-            <a:r>
-              <a:rPr lang="it-IT" dirty="0"/>
-              <a:t>Parameter controls and the menagement of the relative </a:t>
-            </a:r>
-            <a:r>
-              <a:rPr lang="en-GB" dirty="0"/>
-              <a:t>errors</a:t>
-            </a:r>
-            <a:r>
-              <a:rPr lang="it-IT" dirty="0"/>
-              <a:t> are not been inserted in the diagrams;</a:t>
-            </a:r>
-          </a:p>
-          <a:p>
-            <a:r>
-              <a:rPr lang="it-IT" dirty="0"/>
-              <a:t>Everytime there is an instanciation of a DAO object, this receives a connection to the DB as parameter.</a:t>
+              <a:rPr lang="it-IT" sz="2000" dirty="0"/>
+              <a:t>CREATE TABLE `contains` (  </a:t>
+            </a:r>
+          </a:p>
+          <a:p>
+            <a:pPr marL="0" indent="0">
+              <a:buNone/>
+            </a:pPr>
+            <a:r>
+              <a:rPr lang="it-IT" sz="2000" dirty="0"/>
+              <a:t>      `IdSong` int NOT NULL,  </a:t>
+            </a:r>
+          </a:p>
+          <a:p>
+            <a:pPr marL="0" indent="0">
+              <a:buNone/>
+            </a:pPr>
+            <a:r>
+              <a:rPr lang="it-IT" sz="2000" dirty="0"/>
+              <a:t>      `IdPlaylist` int NOT NULL,  </a:t>
+            </a:r>
+          </a:p>
+          <a:p>
+            <a:pPr marL="0" indent="0">
+              <a:buNone/>
+            </a:pPr>
+            <a:r>
+              <a:rPr lang="it-IT" sz="2000" dirty="0"/>
+              <a:t>      PRIMARY KEY (`IdSong`,`IdPlaylist`),  KEY </a:t>
+            </a:r>
+          </a:p>
+          <a:p>
+            <a:pPr marL="0" indent="0">
+              <a:buNone/>
+            </a:pPr>
+            <a:r>
+              <a:rPr lang="it-IT" sz="2000" dirty="0"/>
+              <a:t>           `IdPlaylist_idx` (`IdPlaylist`),  </a:t>
+            </a:r>
+          </a:p>
+          <a:p>
+            <a:pPr marL="0" indent="0">
+              <a:buNone/>
+            </a:pPr>
+            <a:r>
+              <a:rPr lang="it-IT" sz="2000" dirty="0"/>
+              <a:t>      CONSTRAINT `IdPlaylist` FOREIGN KEY </a:t>
+            </a:r>
+          </a:p>
+          <a:p>
+            <a:pPr marL="0" indent="0">
+              <a:buNone/>
+            </a:pPr>
+            <a:r>
+              <a:rPr lang="it-IT" sz="2000" dirty="0"/>
+              <a:t>            (`IdPlaylist`) REFERENCES `playlist` (`Id`)   </a:t>
+            </a:r>
+          </a:p>
+          <a:p>
+            <a:pPr marL="0" indent="0">
+              <a:buNone/>
+            </a:pPr>
+            <a:r>
+              <a:rPr lang="it-IT" sz="2000" dirty="0"/>
+              <a:t>            ON DELETE CASCADE ON UPDATE </a:t>
+            </a:r>
+          </a:p>
+          <a:p>
+            <a:pPr marL="0" indent="0">
+              <a:buNone/>
+            </a:pPr>
+            <a:r>
+              <a:rPr lang="it-IT" sz="2000" dirty="0"/>
+              <a:t>            CASCADE,  </a:t>
+            </a:r>
+          </a:p>
+          <a:p>
+            <a:pPr marL="0" indent="0">
+              <a:buNone/>
+            </a:pPr>
+            <a:r>
+              <a:rPr lang="it-IT" sz="2000" dirty="0"/>
+              <a:t>      CONSTRAINT `IdSong` FOREIGN KEY </a:t>
+            </a:r>
+          </a:p>
+          <a:p>
+            <a:pPr marL="0" indent="0">
+              <a:buNone/>
+            </a:pPr>
+            <a:r>
+              <a:rPr lang="it-IT" sz="2000" dirty="0"/>
+              <a:t>            (`IdSong`) REFERENCES `song` (`Id`) ON  </a:t>
+            </a:r>
+          </a:p>
+          <a:p>
+            <a:pPr marL="0" indent="0">
+              <a:buNone/>
+            </a:pPr>
+            <a:r>
+              <a:rPr lang="it-IT" sz="2000" dirty="0"/>
+              <a:t>            DELETE CASCADE ON UPDATE CASCADE</a:t>
+            </a:r>
+          </a:p>
+          <a:p>
+            <a:pPr marL="0" indent="0">
+              <a:buNone/>
+            </a:pPr>
+            <a:r>
+              <a:rPr lang="it-IT" sz="2000" dirty="0"/>
+              <a:t>)</a:t>
             </a:r>
           </a:p>
         </p:txBody>
@@ -5674,7 +7035,7 @@
     </p:spTree>
     <p:extLst>
       <p:ext uri="{BB962C8B-B14F-4D97-AF65-F5344CB8AC3E}">
-        <p14:creationId xmlns:p14="http://schemas.microsoft.com/office/powerpoint/2010/main" val="4293414970"/>
+        <p14:creationId xmlns:p14="http://schemas.microsoft.com/office/powerpoint/2010/main" val="1806640601"/>
       </p:ext>
     </p:extLst>
   </p:cSld>
@@ -5706,7 +7067,7 @@
           <p:cNvPr id="2" name="Titolo 1">
             <a:extLst>
               <a:ext uri="{FF2B5EF4-FFF2-40B4-BE49-F238E27FC236}">
-                <a16:creationId xmlns:a16="http://schemas.microsoft.com/office/drawing/2014/main" id="{73584EC9-6376-4740-82F1-D5BA756B3C05}"/>
+                <a16:creationId xmlns:a16="http://schemas.microsoft.com/office/drawing/2014/main" id="{B932C116-5AA9-460E-9D4F-4A3DF4EC43B1}"/>
               </a:ext>
             </a:extLst>
           </p:cNvPr>
@@ -5733,17 +7094,17 @@
                   </a:schemeClr>
                 </a:solidFill>
               </a:rPr>
-              <a:t>Event: login</a:t>
+              <a:t>Application Design(IFML)</a:t>
             </a:r>
           </a:p>
         </p:txBody>
       </p:sp>
       <p:pic>
         <p:nvPicPr>
-          <p:cNvPr id="13" name="Segnaposto contenuto 12">
-            <a:extLst>
-              <a:ext uri="{FF2B5EF4-FFF2-40B4-BE49-F238E27FC236}">
-                <a16:creationId xmlns:a16="http://schemas.microsoft.com/office/drawing/2014/main" id="{EA4B99BD-D8FD-497D-B9DF-F7D0D3D54C4D}"/>
+          <p:cNvPr id="7" name="Segnaposto contenuto 6">
+            <a:extLst>
+              <a:ext uri="{FF2B5EF4-FFF2-40B4-BE49-F238E27FC236}">
+                <a16:creationId xmlns:a16="http://schemas.microsoft.com/office/drawing/2014/main" id="{AE2079F0-6F84-4650-9C2A-9F42E36DFFB6}"/>
               </a:ext>
             </a:extLst>
           </p:cNvPr>
@@ -5768,15 +7129,15 @@
         </p:blipFill>
         <p:spPr>
           <a:xfrm>
-            <a:off x="379091" y="1690688"/>
-            <a:ext cx="11433818" cy="4229107"/>
+            <a:off x="544628" y="914408"/>
+            <a:ext cx="11410959" cy="6331180"/>
           </a:xfrm>
         </p:spPr>
       </p:pic>
     </p:spTree>
     <p:extLst>
       <p:ext uri="{BB962C8B-B14F-4D97-AF65-F5344CB8AC3E}">
-        <p14:creationId xmlns:p14="http://schemas.microsoft.com/office/powerpoint/2010/main" val="171097244"/>
+        <p14:creationId xmlns:p14="http://schemas.microsoft.com/office/powerpoint/2010/main" val="533879949"/>
       </p:ext>
     </p:extLst>
   </p:cSld>
@@ -5808,7 +7169,7 @@
           <p:cNvPr id="2" name="Titolo 1">
             <a:extLst>
               <a:ext uri="{FF2B5EF4-FFF2-40B4-BE49-F238E27FC236}">
-                <a16:creationId xmlns:a16="http://schemas.microsoft.com/office/drawing/2014/main" id="{73584EC9-6376-4740-82F1-D5BA756B3C05}"/>
+                <a16:creationId xmlns:a16="http://schemas.microsoft.com/office/drawing/2014/main" id="{08E04582-8C25-40D6-9732-054BB8D7FF22}"/>
               </a:ext>
             </a:extLst>
           </p:cNvPr>
@@ -5835,67 +7196,416 @@
                   </a:schemeClr>
                 </a:solidFill>
               </a:rPr>
-              <a:t>Event: </a:t>
-            </a:r>
-            <a:r>
-              <a:rPr lang="it-IT" sz="4000" b="1" dirty="0" err="1">
+              <a:t>Components</a:t>
+            </a:r>
+          </a:p>
+        </p:txBody>
+      </p:sp>
+      <p:sp>
+        <p:nvSpPr>
+          <p:cNvPr id="3" name="Segnaposto contenuto 2">
+            <a:extLst>
+              <a:ext uri="{FF2B5EF4-FFF2-40B4-BE49-F238E27FC236}">
+                <a16:creationId xmlns:a16="http://schemas.microsoft.com/office/drawing/2014/main" id="{1EF1ADE0-3806-4186-A7B5-9895B21CCABC}"/>
+              </a:ext>
+            </a:extLst>
+          </p:cNvPr>
+          <p:cNvSpPr>
+            <a:spLocks noGrp="1"/>
+          </p:cNvSpPr>
+          <p:nvPr>
+            <p:ph sz="half" idx="1"/>
+          </p:nvPr>
+        </p:nvSpPr>
+        <p:spPr>
+          <a:xfrm>
+            <a:off x="838200" y="1447061"/>
+            <a:ext cx="6157404" cy="5184558"/>
+          </a:xfrm>
+        </p:spPr>
+        <p:txBody>
+          <a:bodyPr>
+            <a:normAutofit fontScale="85000" lnSpcReduction="20000"/>
+          </a:bodyPr>
+          <a:lstStyle/>
+          <a:p>
+            <a:r>
+              <a:rPr lang="it-IT" sz="2500" b="1" dirty="0">
                 <a:solidFill>
                   <a:schemeClr val="accent1">
                     <a:lumMod val="75000"/>
                   </a:schemeClr>
                 </a:solidFill>
               </a:rPr>
-              <a:t>registration</a:t>
-            </a:r>
-            <a:endParaRPr lang="it-IT" sz="4000" b="1" dirty="0">
-              <a:solidFill>
-                <a:schemeClr val="accent1">
-                  <a:lumMod val="75000"/>
-                </a:schemeClr>
-              </a:solidFill>
-            </a:endParaRPr>
-          </a:p>
-        </p:txBody>
-      </p:sp>
-      <p:pic>
-        <p:nvPicPr>
-          <p:cNvPr id="6" name="Segnaposto contenuto 5">
-            <a:extLst>
-              <a:ext uri="{FF2B5EF4-FFF2-40B4-BE49-F238E27FC236}">
-                <a16:creationId xmlns:a16="http://schemas.microsoft.com/office/drawing/2014/main" id="{77D1F87B-69ED-4481-B213-0C80D6ACFE07}"/>
-              </a:ext>
-            </a:extLst>
-          </p:cNvPr>
-          <p:cNvPicPr>
-            <a:picLocks noGrp="1" noChangeAspect="1"/>
-          </p:cNvPicPr>
-          <p:nvPr>
-            <p:ph idx="1"/>
-          </p:nvPr>
-        </p:nvPicPr>
-        <p:blipFill>
-          <a:blip r:embed="rId2">
-            <a:extLst>
-              <a:ext uri="{28A0092B-C50C-407E-A947-70E740481C1C}">
-                <a14:useLocalDpi xmlns:a14="http://schemas.microsoft.com/office/drawing/2010/main" val="0"/>
-              </a:ext>
-            </a:extLst>
-          </a:blip>
-          <a:stretch>
-            <a:fillRect/>
-          </a:stretch>
-        </p:blipFill>
+              <a:t>Model Objects (Beans)</a:t>
+            </a:r>
+          </a:p>
+          <a:p>
+            <a:pPr lvl="1">
+              <a:buFont typeface="Courier New" panose="02070309020205020404" pitchFamily="49" charset="0"/>
+              <a:buChar char="o"/>
+            </a:pPr>
+            <a:r>
+              <a:rPr lang="it-IT" dirty="0"/>
+              <a:t>User</a:t>
+            </a:r>
+          </a:p>
+          <a:p>
+            <a:pPr lvl="1">
+              <a:buFont typeface="Courier New" panose="02070309020205020404" pitchFamily="49" charset="0"/>
+              <a:buChar char="o"/>
+            </a:pPr>
+            <a:r>
+              <a:rPr lang="it-IT" dirty="0"/>
+              <a:t>Playlist</a:t>
+            </a:r>
+          </a:p>
+          <a:p>
+            <a:pPr lvl="1">
+              <a:buFont typeface="Courier New" panose="02070309020205020404" pitchFamily="49" charset="0"/>
+              <a:buChar char="o"/>
+            </a:pPr>
+            <a:r>
+              <a:rPr lang="it-IT" dirty="0"/>
+              <a:t>SongDetails</a:t>
+            </a:r>
+          </a:p>
+          <a:p>
+            <a:pPr marL="457200" lvl="1" indent="0">
+              <a:buNone/>
+            </a:pPr>
+            <a:endParaRPr lang="es-419" sz="1400" dirty="0"/>
+          </a:p>
+          <a:p>
+            <a:pPr marL="457200" lvl="1" indent="0">
+              <a:buNone/>
+            </a:pPr>
+            <a:endParaRPr lang="es-419" sz="1400" dirty="0"/>
+          </a:p>
+          <a:p>
+            <a:r>
+              <a:rPr lang="it-IT" b="1" dirty="0">
+                <a:solidFill>
+                  <a:schemeClr val="accent1">
+                    <a:lumMod val="75000"/>
+                  </a:schemeClr>
+                </a:solidFill>
+              </a:rPr>
+              <a:t>Views (Templates)</a:t>
+            </a:r>
+          </a:p>
+          <a:p>
+            <a:pPr lvl="1">
+              <a:buFont typeface="Courier New" panose="02070309020205020404" pitchFamily="49" charset="0"/>
+              <a:buChar char="o"/>
+            </a:pPr>
+            <a:r>
+              <a:rPr lang="it-IT" dirty="0"/>
+              <a:t>Login.html</a:t>
+            </a:r>
+          </a:p>
+          <a:p>
+            <a:pPr lvl="1">
+              <a:buFont typeface="Courier New" panose="02070309020205020404" pitchFamily="49" charset="0"/>
+              <a:buChar char="o"/>
+            </a:pPr>
+            <a:r>
+              <a:rPr lang="it-IT" dirty="0"/>
+              <a:t>Registration.html</a:t>
+            </a:r>
+          </a:p>
+          <a:p>
+            <a:pPr lvl="1">
+              <a:buFont typeface="Courier New" panose="02070309020205020404" pitchFamily="49" charset="0"/>
+              <a:buChar char="o"/>
+            </a:pPr>
+            <a:r>
+              <a:rPr lang="it-IT" dirty="0"/>
+              <a:t>HomePage.html</a:t>
+            </a:r>
+          </a:p>
+          <a:p>
+            <a:pPr marL="457200" lvl="1" indent="0">
+              <a:buNone/>
+            </a:pPr>
+            <a:endParaRPr lang="it-IT" dirty="0"/>
+          </a:p>
+          <a:p>
+            <a:r>
+              <a:rPr lang="it-IT" b="1" dirty="0">
+                <a:solidFill>
+                  <a:schemeClr val="accent1">
+                    <a:lumMod val="75000"/>
+                  </a:schemeClr>
+                </a:solidFill>
+              </a:rPr>
+              <a:t>Utils</a:t>
+            </a:r>
+          </a:p>
+          <a:p>
+            <a:pPr lvl="1">
+              <a:buFont typeface="Courier New" panose="02070309020205020404" pitchFamily="49" charset="0"/>
+              <a:buChar char="o"/>
+            </a:pPr>
+            <a:r>
+              <a:rPr lang="it-IT" dirty="0"/>
+              <a:t>ConnectionHandler</a:t>
+            </a:r>
+          </a:p>
+          <a:p>
+            <a:pPr lvl="1">
+              <a:buFont typeface="Courier New" panose="02070309020205020404" pitchFamily="49" charset="0"/>
+              <a:buChar char="o"/>
+            </a:pPr>
+            <a:r>
+              <a:rPr lang="it-IT" dirty="0"/>
+              <a:t>FromJsonToArray</a:t>
+            </a:r>
+          </a:p>
+          <a:p>
+            <a:pPr lvl="1">
+              <a:buFont typeface="Courier New" panose="02070309020205020404" pitchFamily="49" charset="0"/>
+              <a:buChar char="o"/>
+            </a:pPr>
+            <a:r>
+              <a:rPr lang="it-IT" dirty="0"/>
+              <a:t>GetEncoding</a:t>
+            </a:r>
+          </a:p>
+          <a:p>
+            <a:pPr lvl="1">
+              <a:buFont typeface="Courier New" panose="02070309020205020404" pitchFamily="49" charset="0"/>
+              <a:buChar char="o"/>
+            </a:pPr>
+            <a:endParaRPr lang="it-IT" dirty="0"/>
+          </a:p>
+          <a:p>
+            <a:pPr marL="457200" lvl="1" indent="0">
+              <a:buNone/>
+            </a:pPr>
+            <a:endParaRPr lang="it-IT" dirty="0"/>
+          </a:p>
+          <a:p>
+            <a:pPr lvl="1">
+              <a:buFont typeface="Courier New" panose="02070309020205020404" pitchFamily="49" charset="0"/>
+              <a:buChar char="o"/>
+            </a:pPr>
+            <a:endParaRPr lang="it-IT" sz="1400" dirty="0"/>
+          </a:p>
+          <a:p>
+            <a:pPr lvl="1">
+              <a:buFont typeface="Courier New" panose="02070309020205020404" pitchFamily="49" charset="0"/>
+              <a:buChar char="o"/>
+            </a:pPr>
+            <a:endParaRPr lang="es-419" sz="1400" dirty="0"/>
+          </a:p>
+          <a:p>
+            <a:pPr lvl="1"/>
+            <a:endParaRPr lang="it-IT" sz="1600" dirty="0"/>
+          </a:p>
+          <a:p>
+            <a:pPr marL="457200" lvl="1" indent="0">
+              <a:buNone/>
+            </a:pPr>
+            <a:endParaRPr lang="it-IT" sz="1600" dirty="0"/>
+          </a:p>
+        </p:txBody>
+      </p:sp>
+      <p:sp>
+        <p:nvSpPr>
+          <p:cNvPr id="4" name="Segnaposto contenuto 3">
+            <a:extLst>
+              <a:ext uri="{FF2B5EF4-FFF2-40B4-BE49-F238E27FC236}">
+                <a16:creationId xmlns:a16="http://schemas.microsoft.com/office/drawing/2014/main" id="{83201C16-28B8-4889-A469-C9F1F9835A9A}"/>
+              </a:ext>
+            </a:extLst>
+          </p:cNvPr>
+          <p:cNvSpPr>
+            <a:spLocks noGrp="1"/>
+          </p:cNvSpPr>
+          <p:nvPr>
+            <p:ph sz="half" idx="2"/>
+          </p:nvPr>
+        </p:nvSpPr>
         <p:spPr>
           <a:xfrm>
-            <a:off x="1138107" y="1690688"/>
-            <a:ext cx="9915785" cy="4068932"/>
+            <a:off x="7128769" y="1447061"/>
+            <a:ext cx="4837590" cy="4596738"/>
           </a:xfrm>
         </p:spPr>
-      </p:pic>
+        <p:txBody>
+          <a:bodyPr>
+            <a:normAutofit fontScale="85000" lnSpcReduction="20000"/>
+          </a:bodyPr>
+          <a:lstStyle/>
+          <a:p>
+            <a:r>
+              <a:rPr lang="it-IT" b="1" dirty="0">
+                <a:solidFill>
+                  <a:schemeClr val="accent1">
+                    <a:lumMod val="75000"/>
+                  </a:schemeClr>
+                </a:solidFill>
+              </a:rPr>
+              <a:t>Controllers (Servlets</a:t>
+            </a:r>
+            <a:r>
+              <a:rPr lang="it-IT" dirty="0"/>
+              <a:t>)</a:t>
+            </a:r>
+          </a:p>
+          <a:p>
+            <a:pPr lvl="1">
+              <a:buFont typeface="Courier New" panose="02070309020205020404" pitchFamily="49" charset="0"/>
+              <a:buChar char="o"/>
+            </a:pPr>
+            <a:r>
+              <a:rPr lang="it-IT" dirty="0"/>
+              <a:t>CheckLogin</a:t>
+            </a:r>
+          </a:p>
+          <a:p>
+            <a:pPr lvl="1">
+              <a:buFont typeface="Courier New" panose="02070309020205020404" pitchFamily="49" charset="0"/>
+              <a:buChar char="o"/>
+            </a:pPr>
+            <a:r>
+              <a:rPr lang="it-IT" dirty="0"/>
+              <a:t>Registration</a:t>
+            </a:r>
+          </a:p>
+          <a:p>
+            <a:pPr lvl="1">
+              <a:buFont typeface="Courier New" panose="02070309020205020404" pitchFamily="49" charset="0"/>
+              <a:buChar char="o"/>
+            </a:pPr>
+            <a:r>
+              <a:rPr lang="it-IT" dirty="0"/>
+              <a:t>GetPlaylistList</a:t>
+            </a:r>
+          </a:p>
+          <a:p>
+            <a:pPr lvl="1">
+              <a:buFont typeface="Courier New" panose="02070309020205020404" pitchFamily="49" charset="0"/>
+              <a:buChar char="o"/>
+            </a:pPr>
+            <a:r>
+              <a:rPr lang="it-IT" dirty="0"/>
+              <a:t>CreateSong</a:t>
+            </a:r>
+          </a:p>
+          <a:p>
+            <a:pPr lvl="1">
+              <a:buFont typeface="Courier New" panose="02070309020205020404" pitchFamily="49" charset="0"/>
+              <a:buChar char="o"/>
+            </a:pPr>
+            <a:r>
+              <a:rPr lang="it-IT" dirty="0"/>
+              <a:t>CreatePlaylist</a:t>
+            </a:r>
+          </a:p>
+          <a:p>
+            <a:pPr lvl="1">
+              <a:buFont typeface="Courier New" panose="02070309020205020404" pitchFamily="49" charset="0"/>
+              <a:buChar char="o"/>
+            </a:pPr>
+            <a:r>
+              <a:rPr lang="it-IT" dirty="0"/>
+              <a:t>GetSongsInPlaylist</a:t>
+            </a:r>
+          </a:p>
+          <a:p>
+            <a:pPr lvl="1">
+              <a:buFont typeface="Courier New" panose="02070309020205020404" pitchFamily="49" charset="0"/>
+              <a:buChar char="o"/>
+            </a:pPr>
+            <a:r>
+              <a:rPr lang="it-IT" dirty="0"/>
+              <a:t>GetSongsNotInPlaylist</a:t>
+            </a:r>
+          </a:p>
+          <a:p>
+            <a:pPr lvl="1">
+              <a:buFont typeface="Courier New" panose="02070309020205020404" pitchFamily="49" charset="0"/>
+              <a:buChar char="o"/>
+            </a:pPr>
+            <a:r>
+              <a:rPr lang="it-IT" dirty="0"/>
+              <a:t>AddSong</a:t>
+            </a:r>
+          </a:p>
+          <a:p>
+            <a:pPr lvl="1">
+              <a:buFont typeface="Courier New" panose="02070309020205020404" pitchFamily="49" charset="0"/>
+              <a:buChar char="o"/>
+            </a:pPr>
+            <a:r>
+              <a:rPr lang="it-IT" dirty="0"/>
+              <a:t>AddSorting</a:t>
+            </a:r>
+          </a:p>
+          <a:p>
+            <a:pPr lvl="1">
+              <a:buFont typeface="Courier New" panose="02070309020205020404" pitchFamily="49" charset="0"/>
+              <a:buChar char="o"/>
+            </a:pPr>
+            <a:r>
+              <a:rPr lang="it-IT" dirty="0"/>
+              <a:t>GetSongDetails</a:t>
+            </a:r>
+          </a:p>
+          <a:p>
+            <a:pPr lvl="1">
+              <a:buFont typeface="Courier New" panose="02070309020205020404" pitchFamily="49" charset="0"/>
+              <a:buChar char="o"/>
+            </a:pPr>
+            <a:r>
+              <a:rPr lang="it-IT" dirty="0"/>
+              <a:t>Logout</a:t>
+            </a:r>
+          </a:p>
+          <a:p>
+            <a:pPr lvl="1">
+              <a:buFont typeface="Courier New" panose="02070309020205020404" pitchFamily="49" charset="0"/>
+              <a:buChar char="o"/>
+            </a:pPr>
+            <a:endParaRPr lang="it-IT" dirty="0"/>
+          </a:p>
+          <a:p>
+            <a:r>
+              <a:rPr lang="it-IT" b="1" dirty="0">
+                <a:solidFill>
+                  <a:schemeClr val="accent1">
+                    <a:lumMod val="75000"/>
+                  </a:schemeClr>
+                </a:solidFill>
+              </a:rPr>
+              <a:t>Filters</a:t>
+            </a:r>
+          </a:p>
+          <a:p>
+            <a:pPr lvl="1">
+              <a:buFont typeface="Courier New" panose="02070309020205020404" pitchFamily="49" charset="0"/>
+              <a:buChar char="o"/>
+            </a:pPr>
+            <a:r>
+              <a:rPr lang="it-IT" dirty="0"/>
+              <a:t>LoginChecker</a:t>
+            </a:r>
+          </a:p>
+          <a:p>
+            <a:pPr lvl="1">
+              <a:buFont typeface="Courier New" panose="02070309020205020404" pitchFamily="49" charset="0"/>
+              <a:buChar char="o"/>
+            </a:pPr>
+            <a:endParaRPr lang="it-IT" dirty="0"/>
+          </a:p>
+        </p:txBody>
+      </p:sp>
     </p:spTree>
     <p:extLst>
       <p:ext uri="{BB962C8B-B14F-4D97-AF65-F5344CB8AC3E}">
-        <p14:creationId xmlns:p14="http://schemas.microsoft.com/office/powerpoint/2010/main" val="3767453814"/>
+        <p14:creationId xmlns:p14="http://schemas.microsoft.com/office/powerpoint/2010/main" val="1119765260"/>
       </p:ext>
     </p:extLst>
   </p:cSld>
@@ -5927,7 +7637,7 @@
           <p:cNvPr id="2" name="Titolo 1">
             <a:extLst>
               <a:ext uri="{FF2B5EF4-FFF2-40B4-BE49-F238E27FC236}">
-                <a16:creationId xmlns:a16="http://schemas.microsoft.com/office/drawing/2014/main" id="{73584EC9-6376-4740-82F1-D5BA756B3C05}"/>
+                <a16:creationId xmlns:a16="http://schemas.microsoft.com/office/drawing/2014/main" id="{08E04582-8C25-40D6-9732-054BB8D7FF22}"/>
               </a:ext>
             </a:extLst>
           </p:cNvPr>
@@ -5954,50 +7664,389 @@
                   </a:schemeClr>
                 </a:solidFill>
               </a:rPr>
-              <a:t>Event: go to home page</a:t>
-            </a:r>
-          </a:p>
-        </p:txBody>
-      </p:sp>
-      <p:pic>
-        <p:nvPicPr>
-          <p:cNvPr id="15" name="Segnaposto contenuto 14">
-            <a:extLst>
-              <a:ext uri="{FF2B5EF4-FFF2-40B4-BE49-F238E27FC236}">
-                <a16:creationId xmlns:a16="http://schemas.microsoft.com/office/drawing/2014/main" id="{97D38BD7-FC89-4E56-AB03-373FB8631691}"/>
-              </a:ext>
-            </a:extLst>
-          </p:cNvPr>
-          <p:cNvPicPr>
-            <a:picLocks noGrp="1" noChangeAspect="1"/>
-          </p:cNvPicPr>
-          <p:nvPr>
-            <p:ph idx="1"/>
-          </p:nvPr>
-        </p:nvPicPr>
-        <p:blipFill>
-          <a:blip r:embed="rId2">
-            <a:extLst>
-              <a:ext uri="{28A0092B-C50C-407E-A947-70E740481C1C}">
-                <a14:useLocalDpi xmlns:a14="http://schemas.microsoft.com/office/drawing/2010/main" val="0"/>
-              </a:ext>
-            </a:extLst>
-          </a:blip>
-          <a:stretch>
-            <a:fillRect/>
-          </a:stretch>
-        </p:blipFill>
+              <a:t>Components:</a:t>
+            </a:r>
+            <a:r>
+              <a:rPr lang="es-419" sz="4000" b="1" dirty="0">
+                <a:solidFill>
+                  <a:schemeClr val="accent1">
+                    <a:lumMod val="75000"/>
+                  </a:schemeClr>
+                </a:solidFill>
+              </a:rPr>
+              <a:t>Data Access Objects (Classes)</a:t>
+            </a:r>
+            <a:br>
+              <a:rPr lang="es-419" sz="4000" b="1" dirty="0">
+                <a:solidFill>
+                  <a:schemeClr val="accent1">
+                    <a:lumMod val="75000"/>
+                  </a:schemeClr>
+                </a:solidFill>
+              </a:rPr>
+            </a:br>
+            <a:endParaRPr lang="it-IT" sz="4000" b="1" dirty="0">
+              <a:solidFill>
+                <a:schemeClr val="accent1">
+                  <a:lumMod val="75000"/>
+                </a:schemeClr>
+              </a:solidFill>
+            </a:endParaRPr>
+          </a:p>
+        </p:txBody>
+      </p:sp>
+      <p:sp>
+        <p:nvSpPr>
+          <p:cNvPr id="3" name="Segnaposto contenuto 2">
+            <a:extLst>
+              <a:ext uri="{FF2B5EF4-FFF2-40B4-BE49-F238E27FC236}">
+                <a16:creationId xmlns:a16="http://schemas.microsoft.com/office/drawing/2014/main" id="{1EF1ADE0-3806-4186-A7B5-9895B21CCABC}"/>
+              </a:ext>
+            </a:extLst>
+          </p:cNvPr>
+          <p:cNvSpPr>
+            <a:spLocks noGrp="1"/>
+          </p:cNvSpPr>
+          <p:nvPr>
+            <p:ph sz="half" idx="1"/>
+          </p:nvPr>
+        </p:nvSpPr>
         <p:spPr>
           <a:xfrm>
-            <a:off x="2185847" y="1690688"/>
-            <a:ext cx="7820305" cy="4283819"/>
+            <a:off x="656948" y="1447061"/>
+            <a:ext cx="6338656" cy="5184558"/>
           </a:xfrm>
         </p:spPr>
-      </p:pic>
+        <p:txBody>
+          <a:bodyPr>
+            <a:normAutofit fontScale="92500" lnSpcReduction="10000"/>
+          </a:bodyPr>
+          <a:lstStyle/>
+          <a:p>
+            <a:pPr lvl="1">
+              <a:buFont typeface="Courier New" panose="02070309020205020404" pitchFamily="49" charset="0"/>
+              <a:buChar char="o"/>
+            </a:pPr>
+            <a:r>
+              <a:rPr lang="es-419" sz="2000" b="1" dirty="0">
+                <a:solidFill>
+                  <a:schemeClr val="accent6">
+                    <a:lumMod val="75000"/>
+                  </a:schemeClr>
+                </a:solidFill>
+              </a:rPr>
+              <a:t>UserDAO</a:t>
+            </a:r>
+          </a:p>
+          <a:p>
+            <a:pPr lvl="2">
+              <a:buFont typeface="Wingdings" panose="05000000000000000000" pitchFamily="2" charset="2"/>
+              <a:buChar char="q"/>
+            </a:pPr>
+            <a:r>
+              <a:rPr lang="es-419" dirty="0"/>
+              <a:t>+findUser(userName)</a:t>
+            </a:r>
+          </a:p>
+          <a:p>
+            <a:pPr lvl="2">
+              <a:buFont typeface="Wingdings" panose="05000000000000000000" pitchFamily="2" charset="2"/>
+              <a:buChar char="q"/>
+            </a:pPr>
+            <a:r>
+              <a:rPr lang="es-419" dirty="0"/>
+              <a:t>+checkAuthentication(userName , password)</a:t>
+            </a:r>
+          </a:p>
+          <a:p>
+            <a:pPr lvl="2">
+              <a:buFont typeface="Wingdings" panose="05000000000000000000" pitchFamily="2" charset="2"/>
+              <a:buChar char="q"/>
+            </a:pPr>
+            <a:r>
+              <a:rPr lang="es-419" dirty="0"/>
+              <a:t>+addUser(username , password)</a:t>
+            </a:r>
+          </a:p>
+          <a:p>
+            <a:pPr lvl="1">
+              <a:buFont typeface="Courier New" panose="02070309020205020404" pitchFamily="49" charset="0"/>
+              <a:buChar char="o"/>
+            </a:pPr>
+            <a:r>
+              <a:rPr lang="es-419" sz="2000" b="1" dirty="0">
+                <a:solidFill>
+                  <a:schemeClr val="accent6">
+                    <a:lumMod val="75000"/>
+                  </a:schemeClr>
+                </a:solidFill>
+              </a:rPr>
+              <a:t>PlaylistDAO</a:t>
+            </a:r>
+          </a:p>
+          <a:p>
+            <a:pPr lvl="2">
+              <a:buFont typeface="Wingdings" panose="05000000000000000000" pitchFamily="2" charset="2"/>
+              <a:buChar char="q"/>
+            </a:pPr>
+            <a:r>
+              <a:rPr lang="es-419" dirty="0"/>
+              <a:t>+findPlaylist(userId)</a:t>
+            </a:r>
+          </a:p>
+          <a:p>
+            <a:pPr lvl="2">
+              <a:buFont typeface="Wingdings" panose="05000000000000000000" pitchFamily="2" charset="2"/>
+              <a:buChar char="q"/>
+            </a:pPr>
+            <a:r>
+              <a:rPr lang="es-419" dirty="0"/>
+              <a:t>+findPlaylistbyTitle(title , userId)</a:t>
+            </a:r>
+          </a:p>
+          <a:p>
+            <a:pPr lvl="2">
+              <a:buFont typeface="Wingdings" panose="05000000000000000000" pitchFamily="2" charset="2"/>
+              <a:buChar char="q"/>
+            </a:pPr>
+            <a:r>
+              <a:rPr lang="es-419" dirty="0"/>
+              <a:t>+createPlaylist(title , creationDate , userId)</a:t>
+            </a:r>
+          </a:p>
+          <a:p>
+            <a:pPr lvl="2">
+              <a:buFont typeface="Wingdings" panose="05000000000000000000" pitchFamily="2" charset="2"/>
+              <a:buChar char="q"/>
+            </a:pPr>
+            <a:r>
+              <a:rPr lang="es-419" dirty="0"/>
+              <a:t>+findPlaylistById(playlistId , userId)</a:t>
+            </a:r>
+          </a:p>
+          <a:p>
+            <a:pPr lvl="2">
+              <a:buFont typeface="Wingdings" panose="05000000000000000000" pitchFamily="2" charset="2"/>
+              <a:buChar char="q"/>
+            </a:pPr>
+            <a:r>
+              <a:rPr lang="es-419" dirty="0"/>
+              <a:t>+findPlaylistTitleByID(playlistId)</a:t>
+            </a:r>
+          </a:p>
+          <a:p>
+            <a:pPr lvl="2">
+              <a:buFont typeface="Wingdings" panose="05000000000000000000" pitchFamily="2" charset="2"/>
+              <a:buChar char="q"/>
+            </a:pPr>
+            <a:r>
+              <a:rPr lang="es-419" dirty="0"/>
+              <a:t>+addSong(playlistID , songId)</a:t>
+            </a:r>
+          </a:p>
+          <a:p>
+            <a:pPr lvl="2">
+              <a:buFont typeface="Wingdings" panose="05000000000000000000" pitchFamily="2" charset="2"/>
+              <a:buChar char="q"/>
+            </a:pPr>
+            <a:r>
+              <a:rPr lang="es-419" dirty="0"/>
+              <a:t>+findSongInPlaylist(playlistId , songId)</a:t>
+            </a:r>
+          </a:p>
+          <a:p>
+            <a:pPr lvl="2">
+              <a:buFont typeface="Wingdings" panose="05000000000000000000" pitchFamily="2" charset="2"/>
+              <a:buChar char="q"/>
+            </a:pPr>
+            <a:r>
+              <a:rPr lang="es-419" dirty="0"/>
+              <a:t>+addSorting(int playlistId , String jSonSorting)</a:t>
+            </a:r>
+          </a:p>
+          <a:p>
+            <a:pPr lvl="2">
+              <a:buFont typeface="Wingdings" panose="05000000000000000000" pitchFamily="2" charset="2"/>
+              <a:buChar char="q"/>
+            </a:pPr>
+            <a:r>
+              <a:rPr lang="es-419" dirty="0"/>
+              <a:t>+getSorting(int playlistId)</a:t>
+            </a:r>
+          </a:p>
+          <a:p>
+            <a:pPr marL="457200" lvl="1" indent="0">
+              <a:buNone/>
+            </a:pPr>
+            <a:endParaRPr lang="es-419" sz="1400" dirty="0"/>
+          </a:p>
+          <a:p>
+            <a:pPr lvl="1"/>
+            <a:endParaRPr lang="it-IT" sz="1600" dirty="0"/>
+          </a:p>
+          <a:p>
+            <a:pPr marL="457200" lvl="1" indent="0">
+              <a:buNone/>
+            </a:pPr>
+            <a:endParaRPr lang="it-IT" sz="1600" dirty="0"/>
+          </a:p>
+        </p:txBody>
+      </p:sp>
+      <p:sp>
+        <p:nvSpPr>
+          <p:cNvPr id="4" name="Segnaposto contenuto 3">
+            <a:extLst>
+              <a:ext uri="{FF2B5EF4-FFF2-40B4-BE49-F238E27FC236}">
+                <a16:creationId xmlns:a16="http://schemas.microsoft.com/office/drawing/2014/main" id="{83201C16-28B8-4889-A469-C9F1F9835A9A}"/>
+              </a:ext>
+            </a:extLst>
+          </p:cNvPr>
+          <p:cNvSpPr>
+            <a:spLocks noGrp="1"/>
+          </p:cNvSpPr>
+          <p:nvPr>
+            <p:ph sz="half" idx="2"/>
+          </p:nvPr>
+        </p:nvSpPr>
+        <p:spPr>
+          <a:xfrm>
+            <a:off x="6516209" y="1438184"/>
+            <a:ext cx="5397623" cy="4596738"/>
+          </a:xfrm>
+        </p:spPr>
+        <p:txBody>
+          <a:bodyPr>
+            <a:normAutofit fontScale="92500" lnSpcReduction="10000"/>
+          </a:bodyPr>
+          <a:lstStyle/>
+          <a:p>
+            <a:pPr lvl="1">
+              <a:buFont typeface="Courier New" panose="02070309020205020404" pitchFamily="49" charset="0"/>
+              <a:buChar char="o"/>
+            </a:pPr>
+            <a:r>
+              <a:rPr lang="es-419" sz="2000" b="1" dirty="0">
+                <a:solidFill>
+                  <a:schemeClr val="accent6">
+                    <a:lumMod val="75000"/>
+                  </a:schemeClr>
+                </a:solidFill>
+              </a:rPr>
+              <a:t>SongDAO</a:t>
+            </a:r>
+          </a:p>
+          <a:p>
+            <a:pPr lvl="2">
+              <a:buFont typeface="Wingdings" panose="05000000000000000000" pitchFamily="2" charset="2"/>
+              <a:buChar char="q"/>
+            </a:pPr>
+            <a:r>
+              <a:rPr lang="es-419" dirty="0"/>
+              <a:t>-findAlbumId(albumTitle , singer , publicationYear , filename)</a:t>
+            </a:r>
+          </a:p>
+          <a:p>
+            <a:pPr lvl="2">
+              <a:buFont typeface="Wingdings" panose="05000000000000000000" pitchFamily="2" charset="2"/>
+              <a:buChar char="q"/>
+            </a:pPr>
+            <a:r>
+              <a:rPr lang="es-419" dirty="0"/>
+              <a:t>+createSongAndAlbum(userId , songTitle , genre , albumTitle , singer , publicationYear 	, imgName , songName)</a:t>
+            </a:r>
+          </a:p>
+          <a:p>
+            <a:pPr lvl="2">
+              <a:buFont typeface="Wingdings" panose="05000000000000000000" pitchFamily="2" charset="2"/>
+              <a:buChar char="q"/>
+            </a:pPr>
+            <a:r>
+              <a:rPr lang="es-419" dirty="0"/>
+              <a:t>-createAlbum(albumTitle , singerr , publicationYear , filename)</a:t>
+            </a:r>
+          </a:p>
+          <a:p>
+            <a:pPr lvl="2">
+              <a:buFont typeface="Wingdings" panose="05000000000000000000" pitchFamily="2" charset="2"/>
+              <a:buChar char="q"/>
+            </a:pPr>
+            <a:r>
+              <a:rPr lang="es-419" dirty="0"/>
+              <a:t>-createSong(userId , songTitle , genre , albumId , filename)</a:t>
+            </a:r>
+          </a:p>
+          <a:p>
+            <a:pPr lvl="2">
+              <a:buFont typeface="Wingdings" panose="05000000000000000000" pitchFamily="2" charset="2"/>
+              <a:buChar char="q"/>
+            </a:pPr>
+            <a:r>
+              <a:rPr lang="es-419" dirty="0"/>
+              <a:t>+getSongTitleAndImage(playlistId)</a:t>
+            </a:r>
+          </a:p>
+          <a:p>
+            <a:pPr lvl="2">
+              <a:buFont typeface="Wingdings" panose="05000000000000000000" pitchFamily="2" charset="2"/>
+              <a:buChar char="q"/>
+            </a:pPr>
+            <a:r>
+              <a:rPr lang="es-419" dirty="0"/>
+              <a:t>+getSongsNotInPlaylist(playlistId , userId)</a:t>
+            </a:r>
+          </a:p>
+          <a:p>
+            <a:pPr lvl="2">
+              <a:buFont typeface="Wingdings" panose="05000000000000000000" pitchFamily="2" charset="2"/>
+              <a:buChar char="q"/>
+            </a:pPr>
+            <a:r>
+              <a:rPr lang="es-419" dirty="0"/>
+              <a:t>+findSongByUser(songId , userId)</a:t>
+            </a:r>
+          </a:p>
+          <a:p>
+            <a:pPr lvl="2">
+              <a:buFont typeface="Wingdings" panose="05000000000000000000" pitchFamily="2" charset="2"/>
+              <a:buChar char="q"/>
+            </a:pPr>
+            <a:r>
+              <a:rPr lang="es-419" dirty="0"/>
+              <a:t>+findImageByUser(imageName , userId)</a:t>
+            </a:r>
+          </a:p>
+          <a:p>
+            <a:pPr lvl="2">
+              <a:buFont typeface="Wingdings" panose="05000000000000000000" pitchFamily="2" charset="2"/>
+              <a:buChar char="q"/>
+            </a:pPr>
+            <a:r>
+              <a:rPr lang="es-419" dirty="0"/>
+              <a:t>+getSongDetails(songId)</a:t>
+            </a:r>
+          </a:p>
+          <a:p>
+            <a:pPr lvl="2">
+              <a:buFont typeface="Wingdings" panose="05000000000000000000" pitchFamily="2" charset="2"/>
+              <a:buChar char="q"/>
+            </a:pPr>
+            <a:r>
+              <a:rPr lang="es-419" dirty="0"/>
+              <a:t>+findSongByUserId(songName , userId)</a:t>
+            </a:r>
+          </a:p>
+          <a:p>
+            <a:pPr marL="457200" lvl="1" indent="0">
+              <a:buNone/>
+            </a:pPr>
+            <a:endParaRPr lang="it-IT" dirty="0"/>
+          </a:p>
+        </p:txBody>
+      </p:sp>
     </p:spTree>
     <p:extLst>
       <p:ext uri="{BB962C8B-B14F-4D97-AF65-F5344CB8AC3E}">
-        <p14:creationId xmlns:p14="http://schemas.microsoft.com/office/powerpoint/2010/main" val="1656364660"/>
+        <p14:creationId xmlns:p14="http://schemas.microsoft.com/office/powerpoint/2010/main" val="3109224949"/>
       </p:ext>
     </p:extLst>
   </p:cSld>
